--- a/宣道詩/(宣道詩4)賀他為王.pptx
+++ b/宣道詩/(宣道詩4)賀他為王.pptx
@@ -5,14 +5,15 @@
     <p:sldMasterId id="2147483660" r:id="rId1"/>
   </p:sldMasterIdLst>
   <p:sldIdLst>
-    <p:sldId id="257" r:id="rId2"/>
-    <p:sldId id="260" r:id="rId3"/>
-    <p:sldId id="258" r:id="rId4"/>
-    <p:sldId id="261" r:id="rId5"/>
-    <p:sldId id="259" r:id="rId6"/>
-    <p:sldId id="262" r:id="rId7"/>
+    <p:sldId id="263" r:id="rId2"/>
+    <p:sldId id="264" r:id="rId3"/>
+    <p:sldId id="265" r:id="rId4"/>
+    <p:sldId id="266" r:id="rId5"/>
+    <p:sldId id="267" r:id="rId6"/>
+    <p:sldId id="268" r:id="rId7"/>
+    <p:sldId id="269" r:id="rId8"/>
   </p:sldIdLst>
-  <p:sldSz cx="9144000" cy="6858000" type="screen4x3"/>
+  <p:sldSz cx="12192000" cy="6858000"/>
   <p:notesSz cx="6858000" cy="9144000"/>
   <p:defaultTextStyle>
     <a:defPPr>
@@ -109,6 +110,22 @@
       </a:defRPr>
     </a:lvl9pPr>
   </p:defaultTextStyle>
+  <p:extLst>
+    <p:ext uri="{EFAFB233-063F-42B5-8137-9DF3F51BA10A}">
+      <p15:sldGuideLst xmlns:p15="http://schemas.microsoft.com/office/powerpoint/2012/main">
+        <p15:guide id="1" orient="horz" pos="2160" userDrawn="1">
+          <p15:clr>
+            <a:srgbClr val="A4A3A4"/>
+          </p15:clr>
+        </p15:guide>
+        <p15:guide id="2" pos="3840" userDrawn="1">
+          <p15:clr>
+            <a:srgbClr val="A4A3A4"/>
+          </p15:clr>
+        </p15:guide>
+      </p15:sldGuideLst>
+    </p:ext>
+  </p:extLst>
 </p:presentation>
 </file>
 
@@ -141,8 +158,8 @@
         </p:nvSpPr>
         <p:spPr>
           <a:xfrm>
-            <a:off x="685800" y="2130425"/>
-            <a:ext cx="7772400" cy="1470025"/>
+            <a:off x="914400" y="2130426"/>
+            <a:ext cx="10363200" cy="1470025"/>
           </a:xfrm>
         </p:spPr>
         <p:txBody>
@@ -169,8 +186,8 @@
         </p:nvSpPr>
         <p:spPr>
           <a:xfrm>
-            <a:off x="1371600" y="3886200"/>
-            <a:ext cx="6400800" cy="1752600"/>
+            <a:off x="1828800" y="3886200"/>
+            <a:ext cx="8534400" cy="1752600"/>
           </a:xfrm>
         </p:spPr>
         <p:txBody>
@@ -294,7 +311,7 @@
             <a:fld id="{67588844-C5A0-4CF3-8BFD-900505372999}" type="datetimeFigureOut">
               <a:rPr lang="zh-TW" altLang="en-US" smtClean="0"/>
               <a:pPr/>
-              <a:t>2017/7/2</a:t>
+              <a:t>2021/12/11</a:t>
             </a:fld>
             <a:endParaRPr lang="zh-TW" altLang="en-US"/>
           </a:p>
@@ -461,7 +478,7 @@
             <a:fld id="{67588844-C5A0-4CF3-8BFD-900505372999}" type="datetimeFigureOut">
               <a:rPr lang="zh-TW" altLang="en-US" smtClean="0"/>
               <a:pPr/>
-              <a:t>2017/7/2</a:t>
+              <a:t>2021/12/11</a:t>
             </a:fld>
             <a:endParaRPr lang="zh-TW" altLang="en-US"/>
           </a:p>
@@ -547,8 +564,8 @@
         </p:nvSpPr>
         <p:spPr>
           <a:xfrm>
-            <a:off x="6629400" y="274638"/>
-            <a:ext cx="2057400" cy="5851525"/>
+            <a:off x="8839200" y="274639"/>
+            <a:ext cx="2743200" cy="5851525"/>
           </a:xfrm>
         </p:spPr>
         <p:txBody>
@@ -575,8 +592,8 @@
         </p:nvSpPr>
         <p:spPr>
           <a:xfrm>
-            <a:off x="457200" y="274638"/>
-            <a:ext cx="6019800" cy="5851525"/>
+            <a:off x="609600" y="274639"/>
+            <a:ext cx="8026400" cy="5851525"/>
           </a:xfrm>
         </p:spPr>
         <p:txBody>
@@ -638,7 +655,7 @@
             <a:fld id="{67588844-C5A0-4CF3-8BFD-900505372999}" type="datetimeFigureOut">
               <a:rPr lang="zh-TW" altLang="en-US" smtClean="0"/>
               <a:pPr/>
-              <a:t>2017/7/2</a:t>
+              <a:t>2021/12/11</a:t>
             </a:fld>
             <a:endParaRPr lang="zh-TW" altLang="en-US"/>
           </a:p>
@@ -805,7 +822,7 @@
             <a:fld id="{67588844-C5A0-4CF3-8BFD-900505372999}" type="datetimeFigureOut">
               <a:rPr lang="zh-TW" altLang="en-US" smtClean="0"/>
               <a:pPr/>
-              <a:t>2017/7/2</a:t>
+              <a:t>2021/12/11</a:t>
             </a:fld>
             <a:endParaRPr lang="zh-TW" altLang="en-US"/>
           </a:p>
@@ -891,8 +908,8 @@
         </p:nvSpPr>
         <p:spPr>
           <a:xfrm>
-            <a:off x="722313" y="4406900"/>
-            <a:ext cx="7772400" cy="1362075"/>
+            <a:off x="963084" y="4406901"/>
+            <a:ext cx="10363200" cy="1362075"/>
           </a:xfrm>
         </p:spPr>
         <p:txBody>
@@ -923,8 +940,8 @@
         </p:nvSpPr>
         <p:spPr>
           <a:xfrm>
-            <a:off x="722313" y="2906713"/>
-            <a:ext cx="7772400" cy="1500187"/>
+            <a:off x="963084" y="2906713"/>
+            <a:ext cx="10363200" cy="1500187"/>
           </a:xfrm>
         </p:spPr>
         <p:txBody>
@@ -1048,7 +1065,7 @@
             <a:fld id="{67588844-C5A0-4CF3-8BFD-900505372999}" type="datetimeFigureOut">
               <a:rPr lang="zh-TW" altLang="en-US" smtClean="0"/>
               <a:pPr/>
-              <a:t>2017/7/2</a:t>
+              <a:t>2021/12/11</a:t>
             </a:fld>
             <a:endParaRPr lang="zh-TW" altLang="en-US"/>
           </a:p>
@@ -1157,8 +1174,8 @@
         </p:nvSpPr>
         <p:spPr>
           <a:xfrm>
-            <a:off x="457200" y="1600200"/>
-            <a:ext cx="4038600" cy="4525963"/>
+            <a:off x="609600" y="1600201"/>
+            <a:ext cx="5384800" cy="4525963"/>
           </a:xfrm>
         </p:spPr>
         <p:txBody>
@@ -1242,8 +1259,8 @@
         </p:nvSpPr>
         <p:spPr>
           <a:xfrm>
-            <a:off x="4648200" y="1600200"/>
-            <a:ext cx="4038600" cy="4525963"/>
+            <a:off x="6197600" y="1600201"/>
+            <a:ext cx="5384800" cy="4525963"/>
           </a:xfrm>
         </p:spPr>
         <p:txBody>
@@ -1333,7 +1350,7 @@
             <a:fld id="{67588844-C5A0-4CF3-8BFD-900505372999}" type="datetimeFigureOut">
               <a:rPr lang="zh-TW" altLang="en-US" smtClean="0"/>
               <a:pPr/>
-              <a:t>2017/7/2</a:t>
+              <a:t>2021/12/11</a:t>
             </a:fld>
             <a:endParaRPr lang="zh-TW" altLang="en-US"/>
           </a:p>
@@ -1446,8 +1463,8 @@
         </p:nvSpPr>
         <p:spPr>
           <a:xfrm>
-            <a:off x="457200" y="1535113"/>
-            <a:ext cx="4040188" cy="639762"/>
+            <a:off x="609600" y="1535113"/>
+            <a:ext cx="5386917" cy="639762"/>
           </a:xfrm>
         </p:spPr>
         <p:txBody>
@@ -1511,8 +1528,8 @@
         </p:nvSpPr>
         <p:spPr>
           <a:xfrm>
-            <a:off x="457200" y="2174875"/>
-            <a:ext cx="4040188" cy="3951288"/>
+            <a:off x="609600" y="2174875"/>
+            <a:ext cx="5386917" cy="3951288"/>
           </a:xfrm>
         </p:spPr>
         <p:txBody>
@@ -1596,8 +1613,8 @@
         </p:nvSpPr>
         <p:spPr>
           <a:xfrm>
-            <a:off x="4645025" y="1535113"/>
-            <a:ext cx="4041775" cy="639762"/>
+            <a:off x="6193368" y="1535113"/>
+            <a:ext cx="5389033" cy="639762"/>
           </a:xfrm>
         </p:spPr>
         <p:txBody>
@@ -1661,8 +1678,8 @@
         </p:nvSpPr>
         <p:spPr>
           <a:xfrm>
-            <a:off x="4645025" y="2174875"/>
-            <a:ext cx="4041775" cy="3951288"/>
+            <a:off x="6193368" y="2174875"/>
+            <a:ext cx="5389033" cy="3951288"/>
           </a:xfrm>
         </p:spPr>
         <p:txBody>
@@ -1752,7 +1769,7 @@
             <a:fld id="{67588844-C5A0-4CF3-8BFD-900505372999}" type="datetimeFigureOut">
               <a:rPr lang="zh-TW" altLang="en-US" smtClean="0"/>
               <a:pPr/>
-              <a:t>2017/7/2</a:t>
+              <a:t>2021/12/11</a:t>
             </a:fld>
             <a:endParaRPr lang="zh-TW" altLang="en-US"/>
           </a:p>
@@ -1867,7 +1884,7 @@
             <a:fld id="{67588844-C5A0-4CF3-8BFD-900505372999}" type="datetimeFigureOut">
               <a:rPr lang="zh-TW" altLang="en-US" smtClean="0"/>
               <a:pPr/>
-              <a:t>2017/7/2</a:t>
+              <a:t>2021/12/11</a:t>
             </a:fld>
             <a:endParaRPr lang="zh-TW" altLang="en-US"/>
           </a:p>
@@ -1959,7 +1976,7 @@
             <a:fld id="{67588844-C5A0-4CF3-8BFD-900505372999}" type="datetimeFigureOut">
               <a:rPr lang="zh-TW" altLang="en-US" smtClean="0"/>
               <a:pPr/>
-              <a:t>2017/7/2</a:t>
+              <a:t>2021/12/11</a:t>
             </a:fld>
             <a:endParaRPr lang="zh-TW" altLang="en-US"/>
           </a:p>
@@ -2045,8 +2062,8 @@
         </p:nvSpPr>
         <p:spPr>
           <a:xfrm>
-            <a:off x="457200" y="273050"/>
-            <a:ext cx="3008313" cy="1162050"/>
+            <a:off x="609601" y="273050"/>
+            <a:ext cx="4011084" cy="1162050"/>
           </a:xfrm>
         </p:spPr>
         <p:txBody>
@@ -2077,8 +2094,8 @@
         </p:nvSpPr>
         <p:spPr>
           <a:xfrm>
-            <a:off x="3575050" y="273050"/>
-            <a:ext cx="5111750" cy="5853113"/>
+            <a:off x="4766733" y="273051"/>
+            <a:ext cx="6815667" cy="5853113"/>
           </a:xfrm>
         </p:spPr>
         <p:txBody>
@@ -2162,8 +2179,8 @@
         </p:nvSpPr>
         <p:spPr>
           <a:xfrm>
-            <a:off x="457200" y="1435100"/>
-            <a:ext cx="3008313" cy="4691063"/>
+            <a:off x="609601" y="1435101"/>
+            <a:ext cx="4011084" cy="4691063"/>
           </a:xfrm>
         </p:spPr>
         <p:txBody>
@@ -2233,7 +2250,7 @@
             <a:fld id="{67588844-C5A0-4CF3-8BFD-900505372999}" type="datetimeFigureOut">
               <a:rPr lang="zh-TW" altLang="en-US" smtClean="0"/>
               <a:pPr/>
-              <a:t>2017/7/2</a:t>
+              <a:t>2021/12/11</a:t>
             </a:fld>
             <a:endParaRPr lang="zh-TW" altLang="en-US"/>
           </a:p>
@@ -2319,8 +2336,8 @@
         </p:nvSpPr>
         <p:spPr>
           <a:xfrm>
-            <a:off x="1792288" y="4800600"/>
-            <a:ext cx="5486400" cy="566738"/>
+            <a:off x="2389717" y="4800600"/>
+            <a:ext cx="7315200" cy="566738"/>
           </a:xfrm>
         </p:spPr>
         <p:txBody>
@@ -2351,8 +2368,8 @@
         </p:nvSpPr>
         <p:spPr>
           <a:xfrm>
-            <a:off x="1792288" y="612775"/>
-            <a:ext cx="5486400" cy="4114800"/>
+            <a:off x="2389717" y="612775"/>
+            <a:ext cx="7315200" cy="4114800"/>
           </a:xfrm>
         </p:spPr>
         <p:txBody>
@@ -2416,8 +2433,8 @@
         </p:nvSpPr>
         <p:spPr>
           <a:xfrm>
-            <a:off x="1792288" y="5367338"/>
-            <a:ext cx="5486400" cy="804862"/>
+            <a:off x="2389717" y="5367338"/>
+            <a:ext cx="7315200" cy="804862"/>
           </a:xfrm>
         </p:spPr>
         <p:txBody>
@@ -2487,7 +2504,7 @@
             <a:fld id="{67588844-C5A0-4CF3-8BFD-900505372999}" type="datetimeFigureOut">
               <a:rPr lang="zh-TW" altLang="en-US" smtClean="0"/>
               <a:pPr/>
-              <a:t>2017/7/2</a:t>
+              <a:t>2021/12/11</a:t>
             </a:fld>
             <a:endParaRPr lang="zh-TW" altLang="en-US"/>
           </a:p>
@@ -2583,8 +2600,8 @@
         </p:nvSpPr>
         <p:spPr>
           <a:xfrm>
-            <a:off x="457200" y="274638"/>
-            <a:ext cx="8229600" cy="1143000"/>
+            <a:off x="609600" y="274638"/>
+            <a:ext cx="10972800" cy="1143000"/>
           </a:xfrm>
           <a:prstGeom prst="rect">
             <a:avLst/>
@@ -2616,8 +2633,8 @@
         </p:nvSpPr>
         <p:spPr>
           <a:xfrm>
-            <a:off x="457200" y="1600200"/>
-            <a:ext cx="8229600" cy="4525963"/>
+            <a:off x="609600" y="1600201"/>
+            <a:ext cx="10972800" cy="4525963"/>
           </a:xfrm>
           <a:prstGeom prst="rect">
             <a:avLst/>
@@ -2678,8 +2695,8 @@
         </p:nvSpPr>
         <p:spPr>
           <a:xfrm>
-            <a:off x="457200" y="6356350"/>
-            <a:ext cx="2133600" cy="365125"/>
+            <a:off x="609600" y="6356351"/>
+            <a:ext cx="2844800" cy="365125"/>
           </a:xfrm>
           <a:prstGeom prst="rect">
             <a:avLst/>
@@ -2702,7 +2719,7 @@
             <a:fld id="{67588844-C5A0-4CF3-8BFD-900505372999}" type="datetimeFigureOut">
               <a:rPr lang="zh-TW" altLang="en-US" smtClean="0"/>
               <a:pPr/>
-              <a:t>2017/7/2</a:t>
+              <a:t>2021/12/11</a:t>
             </a:fld>
             <a:endParaRPr lang="zh-TW" altLang="en-US"/>
           </a:p>
@@ -2720,8 +2737,8 @@
         </p:nvSpPr>
         <p:spPr>
           <a:xfrm>
-            <a:off x="3124200" y="6356350"/>
-            <a:ext cx="2895600" cy="365125"/>
+            <a:off x="4165600" y="6356351"/>
+            <a:ext cx="3860800" cy="365125"/>
           </a:xfrm>
           <a:prstGeom prst="rect">
             <a:avLst/>
@@ -2757,8 +2774,8 @@
         </p:nvSpPr>
         <p:spPr>
           <a:xfrm>
-            <a:off x="6553200" y="6356350"/>
-            <a:ext cx="2133600" cy="365125"/>
+            <a:off x="8737600" y="6356351"/>
+            <a:ext cx="2844800" cy="365125"/>
           </a:xfrm>
           <a:prstGeom prst="rect">
             <a:avLst/>
@@ -3075,7 +3092,7 @@
       </p:grpSpPr>
       <p:sp>
         <p:nvSpPr>
-          <p:cNvPr id="2" name="標題 1"/>
+          <p:cNvPr id="4" name="標題 3"/>
           <p:cNvSpPr>
             <a:spLocks noGrp="1"/>
           </p:cNvSpPr>
@@ -3083,225 +3100,139 @@
             <p:ph type="title"/>
           </p:nvPr>
         </p:nvSpPr>
-        <p:spPr/>
-        <p:txBody>
-          <a:bodyPr/>
-          <a:lstStyle/>
-          <a:p>
-            <a:r>
-              <a:rPr lang="zh-TW" altLang="en-US" b="1" dirty="0">
-                <a:solidFill>
-                  <a:srgbClr val="000066"/>
-                </a:solidFill>
-                <a:latin typeface="微軟正黑體" pitchFamily="34" charset="-120"/>
-                <a:ea typeface="微軟正黑體" pitchFamily="34" charset="-120"/>
-              </a:rPr>
-              <a:t>賀祂為王</a:t>
-            </a:r>
-          </a:p>
-        </p:txBody>
-      </p:sp>
-      <p:sp>
-        <p:nvSpPr>
-          <p:cNvPr id="3" name="內容版面配置區 2"/>
-          <p:cNvSpPr>
-            <a:spLocks noGrp="1"/>
-          </p:cNvSpPr>
-          <p:nvPr>
-            <p:ph idx="1"/>
-          </p:nvPr>
-        </p:nvSpPr>
-        <p:spPr/>
+        <p:spPr>
+          <a:xfrm>
+            <a:off x="0" y="2660915"/>
+            <a:ext cx="12192000" cy="1143000"/>
+          </a:xfrm>
+        </p:spPr>
         <p:txBody>
           <a:bodyPr>
             <a:noAutofit/>
           </a:bodyPr>
           <a:lstStyle/>
           <a:p>
-            <a:pPr algn="ctr">
-              <a:buNone/>
-            </a:pPr>
-            <a:r>
-              <a:rPr lang="zh-TW" altLang="en-US" sz="5400" b="1" dirty="0">
+            <a:r>
+              <a:rPr lang="zh-CN" altLang="en-US" sz="5333" b="1" u="sng" dirty="0">
                 <a:solidFill>
                   <a:srgbClr val="000066"/>
                 </a:solidFill>
+                <a:effectLst>
+                  <a:outerShdw blurRad="38100" dist="38100" dir="2700000" algn="tl">
+                    <a:srgbClr val="000000">
+                      <a:alpha val="43137"/>
+                    </a:srgbClr>
+                  </a:outerShdw>
+                </a:effectLst>
                 <a:latin typeface="微軟正黑體" pitchFamily="34" charset="-120"/>
                 <a:ea typeface="微軟正黑體" pitchFamily="34" charset="-120"/>
               </a:rPr>
-              <a:t>大</a:t>
-            </a:r>
-            <a:r>
-              <a:rPr lang="zh-TW" altLang="en-US" sz="5400" b="1" dirty="0" smtClean="0">
+              <a:t>宣道詩 </a:t>
+            </a:r>
+            <a:r>
+              <a:rPr lang="en-US" altLang="zh-CN" sz="5333" b="1" u="sng" dirty="0">
                 <a:solidFill>
                   <a:srgbClr val="000066"/>
                 </a:solidFill>
+                <a:effectLst>
+                  <a:outerShdw blurRad="38100" dist="38100" dir="2700000" algn="tl">
+                    <a:srgbClr val="000000">
+                      <a:alpha val="43137"/>
+                    </a:srgbClr>
+                  </a:outerShdw>
+                </a:effectLst>
                 <a:latin typeface="微軟正黑體" pitchFamily="34" charset="-120"/>
                 <a:ea typeface="微軟正黑體" pitchFamily="34" charset="-120"/>
               </a:rPr>
-              <a:t>哉  聖哉  耶穌</a:t>
-            </a:r>
-            <a:r>
-              <a:rPr lang="zh-TW" altLang="en-US" sz="5400" b="1" dirty="0">
-                <a:solidFill>
-                  <a:srgbClr val="000066"/>
-                </a:solidFill>
+              <a:t>4</a:t>
+            </a:r>
+            <a:r>
+              <a:rPr lang="en-US" altLang="zh-CN" sz="7200" b="1" i="1" dirty="0">
+                <a:solidFill>
+                  <a:srgbClr val="660033"/>
+                </a:solidFill>
+                <a:effectLst>
+                  <a:outerShdw blurRad="38100" dist="38100" dir="2700000" algn="tl">
+                    <a:srgbClr val="000000">
+                      <a:alpha val="43137"/>
+                    </a:srgbClr>
+                  </a:outerShdw>
+                </a:effectLst>
                 <a:latin typeface="微軟正黑體" pitchFamily="34" charset="-120"/>
                 <a:ea typeface="微軟正黑體" pitchFamily="34" charset="-120"/>
               </a:rPr>
-              <a:t>之</a:t>
-            </a:r>
-            <a:r>
-              <a:rPr lang="zh-TW" altLang="en-US" sz="5400" b="1" dirty="0" smtClean="0">
-                <a:solidFill>
-                  <a:srgbClr val="000066"/>
-                </a:solidFill>
+              <a:t/>
+            </a:r>
+            <a:br>
+              <a:rPr lang="en-US" altLang="zh-CN" sz="7200" b="1" i="1" dirty="0">
+                <a:solidFill>
+                  <a:srgbClr val="660033"/>
+                </a:solidFill>
+                <a:effectLst>
+                  <a:outerShdw blurRad="38100" dist="38100" dir="2700000" algn="tl">
+                    <a:srgbClr val="000000">
+                      <a:alpha val="43137"/>
+                    </a:srgbClr>
+                  </a:outerShdw>
+                </a:effectLst>
                 <a:latin typeface="微軟正黑體" pitchFamily="34" charset="-120"/>
                 <a:ea typeface="微軟正黑體" pitchFamily="34" charset="-120"/>
               </a:rPr>
-              <a:t>名</a:t>
-            </a:r>
-            <a:endParaRPr lang="en-US" altLang="zh-TW" sz="5400" b="1" dirty="0" smtClean="0">
-              <a:solidFill>
-                <a:srgbClr val="000066"/>
-              </a:solidFill>
-              <a:latin typeface="微軟正黑體" pitchFamily="34" charset="-120"/>
-              <a:ea typeface="微軟正黑體" pitchFamily="34" charset="-120"/>
-            </a:endParaRPr>
-          </a:p>
-          <a:p>
-            <a:pPr algn="ctr">
-              <a:buNone/>
-            </a:pPr>
-            <a:r>
-              <a:rPr lang="zh-TW" altLang="en-US" sz="5400" b="1" dirty="0" smtClean="0">
-                <a:solidFill>
-                  <a:srgbClr val="000066"/>
-                </a:solidFill>
+            </a:br>
+            <a:r>
+              <a:rPr lang="zh-TW" altLang="en-US" sz="8000" b="1" dirty="0">
+                <a:solidFill>
+                  <a:srgbClr val="660033"/>
+                </a:solidFill>
+                <a:effectLst>
+                  <a:outerShdw blurRad="38100" dist="38100" dir="2700000" algn="tl">
+                    <a:srgbClr val="000000">
+                      <a:alpha val="43137"/>
+                    </a:srgbClr>
+                  </a:outerShdw>
+                </a:effectLst>
                 <a:latin typeface="微軟正黑體" pitchFamily="34" charset="-120"/>
                 <a:ea typeface="微軟正黑體" pitchFamily="34" charset="-120"/>
               </a:rPr>
-              <a:t>天上</a:t>
-            </a:r>
-            <a:r>
-              <a:rPr lang="zh-TW" altLang="en-US" sz="5400" b="1" dirty="0">
-                <a:solidFill>
-                  <a:srgbClr val="000066"/>
-                </a:solidFill>
+              <a:t>賀</a:t>
+            </a:r>
+            <a:r>
+              <a:rPr lang="zh-TW" altLang="en-US" sz="8000" b="1" dirty="0">
+                <a:solidFill>
+                  <a:srgbClr val="660033"/>
+                </a:solidFill>
+                <a:effectLst>
+                  <a:outerShdw blurRad="38100" dist="38100" dir="2700000" algn="tl">
+                    <a:srgbClr val="000000">
+                      <a:alpha val="43137"/>
+                    </a:srgbClr>
+                  </a:outerShdw>
+                </a:effectLst>
                 <a:latin typeface="微軟正黑體" pitchFamily="34" charset="-120"/>
                 <a:ea typeface="微軟正黑體" pitchFamily="34" charset="-120"/>
               </a:rPr>
-              <a:t>萬軍</a:t>
-            </a:r>
-            <a:r>
-              <a:rPr lang="zh-TW" altLang="en-US" sz="5400" b="1" dirty="0" smtClean="0">
-                <a:solidFill>
-                  <a:srgbClr val="000066"/>
-                </a:solidFill>
-                <a:latin typeface="微軟正黑體" pitchFamily="34" charset="-120"/>
-                <a:ea typeface="微軟正黑體" pitchFamily="34" charset="-120"/>
-              </a:rPr>
-              <a:t>頌揚</a:t>
-            </a:r>
-            <a:endParaRPr lang="en-US" altLang="zh-TW" sz="5400" b="1" dirty="0" smtClean="0">
-              <a:solidFill>
-                <a:srgbClr val="000066"/>
-              </a:solidFill>
-              <a:latin typeface="微軟正黑體" pitchFamily="34" charset="-120"/>
-              <a:ea typeface="微軟正黑體" pitchFamily="34" charset="-120"/>
-            </a:endParaRPr>
-          </a:p>
-          <a:p>
-            <a:pPr algn="ctr">
-              <a:buNone/>
-            </a:pPr>
-            <a:r>
-              <a:rPr lang="zh-TW" altLang="en-US" sz="5400" b="1" dirty="0" smtClean="0">
-                <a:solidFill>
-                  <a:srgbClr val="000066"/>
-                </a:solidFill>
-                <a:latin typeface="微軟正黑體" pitchFamily="34" charset="-120"/>
-                <a:ea typeface="微軟正黑體" pitchFamily="34" charset="-120"/>
-              </a:rPr>
-              <a:t>天上</a:t>
-            </a:r>
-            <a:r>
-              <a:rPr lang="zh-TW" altLang="en-US" sz="5400" b="1" dirty="0">
-                <a:solidFill>
-                  <a:srgbClr val="000066"/>
-                </a:solidFill>
-                <a:latin typeface="微軟正黑體" pitchFamily="34" charset="-120"/>
-                <a:ea typeface="微軟正黑體" pitchFamily="34" charset="-120"/>
-              </a:rPr>
-              <a:t>萬軍</a:t>
-            </a:r>
-            <a:r>
-              <a:rPr lang="zh-TW" altLang="en-US" sz="5400" b="1" dirty="0" smtClean="0">
-                <a:solidFill>
-                  <a:srgbClr val="000066"/>
-                </a:solidFill>
-                <a:latin typeface="微軟正黑體" pitchFamily="34" charset="-120"/>
-                <a:ea typeface="微軟正黑體" pitchFamily="34" charset="-120"/>
-              </a:rPr>
-              <a:t>頌揚</a:t>
-            </a:r>
-            <a:endParaRPr lang="en-US" altLang="zh-TW" sz="5400" b="1" dirty="0">
-              <a:solidFill>
-                <a:srgbClr val="000066"/>
-              </a:solidFill>
-              <a:latin typeface="微軟正黑體" pitchFamily="34" charset="-120"/>
-              <a:ea typeface="微軟正黑體" pitchFamily="34" charset="-120"/>
-            </a:endParaRPr>
-          </a:p>
-          <a:p>
-            <a:pPr algn="ctr">
-              <a:buNone/>
-            </a:pPr>
-            <a:r>
-              <a:rPr lang="zh-TW" altLang="en-US" sz="5400" b="1" dirty="0" smtClean="0">
-                <a:solidFill>
-                  <a:srgbClr val="000066"/>
-                </a:solidFill>
-                <a:latin typeface="微軟正黑體" pitchFamily="34" charset="-120"/>
-                <a:ea typeface="微軟正黑體" pitchFamily="34" charset="-120"/>
-              </a:rPr>
-              <a:t>奉獻</a:t>
-            </a:r>
-            <a:r>
-              <a:rPr lang="zh-TW" altLang="en-US" sz="5400" b="1" dirty="0">
-                <a:solidFill>
-                  <a:srgbClr val="000066"/>
-                </a:solidFill>
-                <a:latin typeface="微軟正黑體" pitchFamily="34" charset="-120"/>
-                <a:ea typeface="微軟正黑體" pitchFamily="34" charset="-120"/>
-              </a:rPr>
-              <a:t>冠冕極其</a:t>
-            </a:r>
-            <a:r>
-              <a:rPr lang="zh-TW" altLang="en-US" sz="5400" b="1" dirty="0" smtClean="0">
-                <a:solidFill>
-                  <a:srgbClr val="000066"/>
-                </a:solidFill>
-                <a:latin typeface="微軟正黑體" pitchFamily="34" charset="-120"/>
-                <a:ea typeface="微軟正黑體" pitchFamily="34" charset="-120"/>
-              </a:rPr>
-              <a:t>光榮</a:t>
-            </a:r>
-            <a:endParaRPr lang="en-US" altLang="zh-TW" sz="5400" b="1" dirty="0" smtClean="0">
-              <a:solidFill>
-                <a:srgbClr val="000066"/>
-              </a:solidFill>
-              <a:latin typeface="微軟正黑體" pitchFamily="34" charset="-120"/>
-              <a:ea typeface="微軟正黑體" pitchFamily="34" charset="-120"/>
-            </a:endParaRPr>
+              <a:t>祂為王</a:t>
+            </a:r>
           </a:p>
         </p:txBody>
       </p:sp>
     </p:spTree>
+    <p:extLst>
+      <p:ext uri="{BB962C8B-B14F-4D97-AF65-F5344CB8AC3E}">
+        <p14:creationId xmlns:p14="http://schemas.microsoft.com/office/powerpoint/2010/main" val="1146182987"/>
+      </p:ext>
+    </p:extLst>
   </p:cSld>
   <p:clrMapOvr>
     <a:masterClrMapping/>
   </p:clrMapOvr>
+  <p:timing>
+    <p:tnLst>
+      <p:par>
+        <p:cTn id="1" dur="indefinite" restart="never" nodeType="tmRoot"/>
+      </p:par>
+    </p:tnLst>
+  </p:timing>
 </p:sld>
 </file>
 
@@ -3324,35 +3255,7 @@
       </p:grpSpPr>
       <p:sp>
         <p:nvSpPr>
-          <p:cNvPr id="2" name="標題 1"/>
-          <p:cNvSpPr>
-            <a:spLocks noGrp="1"/>
-          </p:cNvSpPr>
-          <p:nvPr>
-            <p:ph type="title"/>
-          </p:nvPr>
-        </p:nvSpPr>
-        <p:spPr/>
-        <p:txBody>
-          <a:bodyPr/>
-          <a:lstStyle/>
-          <a:p>
-            <a:r>
-              <a:rPr lang="zh-TW" altLang="en-US" b="1" dirty="0">
-                <a:solidFill>
-                  <a:srgbClr val="000066"/>
-                </a:solidFill>
-                <a:latin typeface="微軟正黑體" pitchFamily="34" charset="-120"/>
-                <a:ea typeface="微軟正黑體" pitchFamily="34" charset="-120"/>
-              </a:rPr>
-              <a:t>賀祂為王</a:t>
-            </a:r>
-          </a:p>
-        </p:txBody>
-      </p:sp>
-      <p:sp>
-        <p:nvSpPr>
-          <p:cNvPr id="3" name="內容版面配置區 2"/>
+          <p:cNvPr id="5" name="內容版面配置區 4"/>
           <p:cNvSpPr>
             <a:spLocks noGrp="1"/>
           </p:cNvSpPr>
@@ -3360,10 +3263,15 @@
             <p:ph idx="1"/>
           </p:nvPr>
         </p:nvSpPr>
-        <p:spPr/>
-        <p:txBody>
-          <a:bodyPr>
-            <a:noAutofit/>
+        <p:spPr>
+          <a:xfrm>
+            <a:off x="0" y="2084851"/>
+            <a:ext cx="12192000" cy="2404863"/>
+          </a:xfrm>
+        </p:spPr>
+        <p:txBody>
+          <a:bodyPr anchor="ctr">
+            <a:normAutofit/>
           </a:bodyPr>
           <a:lstStyle/>
           <a:p>
@@ -3371,41 +3279,31 @@
               <a:buNone/>
             </a:pPr>
             <a:r>
-              <a:rPr lang="zh-TW" altLang="en-US" sz="5400" b="1" dirty="0" smtClean="0">
-                <a:solidFill>
-                  <a:srgbClr val="000066"/>
-                </a:solidFill>
-                <a:latin typeface="微軟正黑體" pitchFamily="34" charset="-120"/>
-                <a:ea typeface="微軟正黑體" pitchFamily="34" charset="-120"/>
-              </a:rPr>
-              <a:t>慶賀</a:t>
-            </a:r>
-            <a:r>
-              <a:rPr lang="zh-TW" altLang="en-US" sz="5400" b="1" dirty="0" smtClean="0">
-                <a:solidFill>
-                  <a:srgbClr val="000066"/>
-                </a:solidFill>
-                <a:latin typeface="微軟正黑體" pitchFamily="34" charset="-120"/>
-                <a:ea typeface="微軟正黑體" pitchFamily="34" charset="-120"/>
-              </a:rPr>
-              <a:t>祂  賀祂  賀</a:t>
-            </a:r>
-            <a:r>
-              <a:rPr lang="zh-TW" altLang="en-US" sz="5400" b="1" dirty="0" smtClean="0">
-                <a:solidFill>
-                  <a:srgbClr val="000066"/>
-                </a:solidFill>
-                <a:latin typeface="微軟正黑體" pitchFamily="34" charset="-120"/>
-                <a:ea typeface="微軟正黑體" pitchFamily="34" charset="-120"/>
-              </a:rPr>
-              <a:t>祂</a:t>
-            </a:r>
-            <a:endParaRPr lang="en-US" altLang="zh-TW" sz="5400" b="1" dirty="0" smtClean="0">
+              <a:rPr lang="zh-TW" altLang="en-US" sz="6400" b="1" dirty="0">
+                <a:solidFill>
+                  <a:srgbClr val="660033"/>
+                </a:solidFill>
+                <a:latin typeface="Microsoft JhengHei" pitchFamily="34" charset="-120"/>
+                <a:ea typeface="Microsoft JhengHei" pitchFamily="34" charset="-120"/>
+              </a:rPr>
+              <a:t>大</a:t>
+            </a:r>
+            <a:r>
+              <a:rPr lang="zh-TW" altLang="en-US" sz="6400" b="1" dirty="0">
+                <a:solidFill>
+                  <a:srgbClr val="660033"/>
+                </a:solidFill>
+                <a:latin typeface="Microsoft JhengHei" pitchFamily="34" charset="-120"/>
+                <a:ea typeface="Microsoft JhengHei" pitchFamily="34" charset="-120"/>
+              </a:rPr>
+              <a:t>哉  聖哉  耶穌之名</a:t>
+            </a:r>
+            <a:endParaRPr lang="en-US" altLang="zh-TW" sz="6400" b="1" dirty="0">
               <a:solidFill>
-                <a:srgbClr val="000066"/>
+                <a:srgbClr val="660033"/>
               </a:solidFill>
-              <a:latin typeface="微軟正黑體" pitchFamily="34" charset="-120"/>
-              <a:ea typeface="微軟正黑體" pitchFamily="34" charset="-120"/>
+              <a:latin typeface="Microsoft JhengHei" pitchFamily="34" charset="-120"/>
+              <a:ea typeface="Microsoft JhengHei" pitchFamily="34" charset="-120"/>
             </a:endParaRPr>
           </a:p>
           <a:p>
@@ -3413,60 +3311,131 @@
               <a:buNone/>
             </a:pPr>
             <a:r>
-              <a:rPr lang="zh-TW" altLang="en-US" sz="5400" b="1" dirty="0" smtClean="0">
-                <a:solidFill>
-                  <a:srgbClr val="000066"/>
-                </a:solidFill>
-                <a:latin typeface="微軟正黑體" pitchFamily="34" charset="-120"/>
-                <a:ea typeface="微軟正黑體" pitchFamily="34" charset="-120"/>
-              </a:rPr>
-              <a:t>賀</a:t>
-            </a:r>
-            <a:r>
-              <a:rPr lang="zh-TW" altLang="en-US" sz="5400" b="1" dirty="0" smtClean="0">
-                <a:solidFill>
-                  <a:srgbClr val="000066"/>
-                </a:solidFill>
-                <a:latin typeface="微軟正黑體" pitchFamily="34" charset="-120"/>
-                <a:ea typeface="微軟正黑體" pitchFamily="34" charset="-120"/>
-              </a:rPr>
-              <a:t>祂  慶賀</a:t>
-            </a:r>
-            <a:r>
-              <a:rPr lang="zh-TW" altLang="en-US" sz="5400" b="1" dirty="0">
-                <a:solidFill>
-                  <a:srgbClr val="000066"/>
-                </a:solidFill>
-                <a:latin typeface="微軟正黑體" pitchFamily="34" charset="-120"/>
-                <a:ea typeface="微軟正黑體" pitchFamily="34" charset="-120"/>
-              </a:rPr>
-              <a:t>祂為</a:t>
-            </a:r>
-            <a:r>
-              <a:rPr lang="zh-TW" altLang="en-US" sz="5400" b="1" dirty="0" smtClean="0">
-                <a:solidFill>
-                  <a:srgbClr val="000066"/>
-                </a:solidFill>
-                <a:latin typeface="微軟正黑體" pitchFamily="34" charset="-120"/>
-                <a:ea typeface="微軟正黑體" pitchFamily="34" charset="-120"/>
-              </a:rPr>
-              <a:t>君王</a:t>
-            </a:r>
-            <a:endParaRPr lang="zh-TW" altLang="en-US" sz="5400" b="1" dirty="0">
+              <a:rPr lang="zh-TW" altLang="en-US" sz="6400" b="1" dirty="0">
+                <a:solidFill>
+                  <a:srgbClr val="660033"/>
+                </a:solidFill>
+                <a:latin typeface="Microsoft JhengHei" pitchFamily="34" charset="-120"/>
+                <a:ea typeface="Microsoft JhengHei" pitchFamily="34" charset="-120"/>
+              </a:rPr>
+              <a:t>天上萬軍頌</a:t>
+            </a:r>
+            <a:r>
+              <a:rPr lang="zh-TW" altLang="en-US" sz="6400" b="1" dirty="0">
+                <a:solidFill>
+                  <a:srgbClr val="660033"/>
+                </a:solidFill>
+                <a:latin typeface="Microsoft JhengHei" pitchFamily="34" charset="-120"/>
+                <a:ea typeface="Microsoft JhengHei" pitchFamily="34" charset="-120"/>
+              </a:rPr>
+              <a:t>揚</a:t>
+            </a:r>
+            <a:r>
+              <a:rPr lang="en-US" altLang="zh-TW" sz="6400" b="1" dirty="0">
+                <a:solidFill>
+                  <a:srgbClr val="660033"/>
+                </a:solidFill>
+                <a:latin typeface="Microsoft JhengHei" pitchFamily="34" charset="-120"/>
+                <a:ea typeface="Microsoft JhengHei" pitchFamily="34" charset="-120"/>
+              </a:rPr>
+              <a:t> </a:t>
+            </a:r>
+            <a:r>
+              <a:rPr lang="en-US" altLang="zh-TW" sz="6400" b="1" dirty="0">
+                <a:solidFill>
+                  <a:srgbClr val="660033"/>
+                </a:solidFill>
+                <a:latin typeface="Microsoft JhengHei" pitchFamily="34" charset="-120"/>
+                <a:ea typeface="Microsoft JhengHei" pitchFamily="34" charset="-120"/>
+              </a:rPr>
+              <a:t> </a:t>
+            </a:r>
+            <a:r>
+              <a:rPr lang="zh-TW" altLang="en-US" sz="6400" b="1" dirty="0">
+                <a:solidFill>
+                  <a:srgbClr val="660033"/>
+                </a:solidFill>
+                <a:latin typeface="Microsoft JhengHei" pitchFamily="34" charset="-120"/>
+                <a:ea typeface="Microsoft JhengHei" pitchFamily="34" charset="-120"/>
+              </a:rPr>
+              <a:t>天</a:t>
+            </a:r>
+            <a:r>
+              <a:rPr lang="zh-TW" altLang="en-US" sz="6400" b="1" dirty="0">
+                <a:solidFill>
+                  <a:srgbClr val="660033"/>
+                </a:solidFill>
+                <a:latin typeface="Microsoft JhengHei" pitchFamily="34" charset="-120"/>
+                <a:ea typeface="Microsoft JhengHei" pitchFamily="34" charset="-120"/>
+              </a:rPr>
+              <a:t>上萬軍頌揚</a:t>
+            </a:r>
+            <a:endParaRPr lang="en-US" altLang="zh-TW" sz="6400" b="1" dirty="0">
               <a:solidFill>
-                <a:srgbClr val="000066"/>
+                <a:srgbClr val="660033"/>
               </a:solidFill>
-              <a:latin typeface="微軟正黑體" pitchFamily="34" charset="-120"/>
-              <a:ea typeface="微軟正黑體" pitchFamily="34" charset="-120"/>
+              <a:latin typeface="Microsoft JhengHei" pitchFamily="34" charset="-120"/>
+              <a:ea typeface="Microsoft JhengHei" pitchFamily="34" charset="-120"/>
             </a:endParaRPr>
           </a:p>
         </p:txBody>
       </p:sp>
+      <p:sp>
+        <p:nvSpPr>
+          <p:cNvPr id="3" name="TextBox 2"/>
+          <p:cNvSpPr txBox="1"/>
+          <p:nvPr/>
+        </p:nvSpPr>
+        <p:spPr>
+          <a:xfrm>
+            <a:off x="0" y="5061182"/>
+            <a:ext cx="12192000" cy="830997"/>
+          </a:xfrm>
+          <a:prstGeom prst="rect">
+            <a:avLst/>
+          </a:prstGeom>
+          <a:noFill/>
+        </p:spPr>
+        <p:txBody>
+          <a:bodyPr wrap="square" rtlCol="0">
+            <a:spAutoFit/>
+          </a:bodyPr>
+          <a:lstStyle/>
+          <a:p>
+            <a:pPr algn="ctr"/>
+            <a:r>
+              <a:rPr lang="en-US" sz="4800" b="1" dirty="0">
+                <a:solidFill>
+                  <a:srgbClr val="660033"/>
+                </a:solidFill>
+              </a:rPr>
+              <a:t>( 1 )</a:t>
+            </a:r>
+            <a:endParaRPr lang="vi-VN" sz="4800" b="1" dirty="0">
+              <a:solidFill>
+                <a:srgbClr val="660033"/>
+              </a:solidFill>
+            </a:endParaRPr>
+          </a:p>
+        </p:txBody>
+      </p:sp>
     </p:spTree>
+    <p:extLst>
+      <p:ext uri="{BB962C8B-B14F-4D97-AF65-F5344CB8AC3E}">
+        <p14:creationId xmlns:p14="http://schemas.microsoft.com/office/powerpoint/2010/main" val="173060654"/>
+      </p:ext>
+    </p:extLst>
   </p:cSld>
   <p:clrMapOvr>
     <a:masterClrMapping/>
   </p:clrMapOvr>
+  <p:timing>
+    <p:tnLst>
+      <p:par>
+        <p:cTn id="1" dur="indefinite" restart="never" nodeType="tmRoot"/>
+      </p:par>
+    </p:tnLst>
+  </p:timing>
 </p:sld>
 </file>
 
@@ -3489,35 +3458,7 @@
       </p:grpSpPr>
       <p:sp>
         <p:nvSpPr>
-          <p:cNvPr id="2" name="標題 1"/>
-          <p:cNvSpPr>
-            <a:spLocks noGrp="1"/>
-          </p:cNvSpPr>
-          <p:nvPr>
-            <p:ph type="title"/>
-          </p:nvPr>
-        </p:nvSpPr>
-        <p:spPr/>
-        <p:txBody>
-          <a:bodyPr/>
-          <a:lstStyle/>
-          <a:p>
-            <a:r>
-              <a:rPr lang="zh-TW" altLang="en-US" b="1" dirty="0">
-                <a:solidFill>
-                  <a:srgbClr val="000066"/>
-                </a:solidFill>
-                <a:latin typeface="微軟正黑體" pitchFamily="34" charset="-120"/>
-                <a:ea typeface="微軟正黑體" pitchFamily="34" charset="-120"/>
-              </a:rPr>
-              <a:t>賀祂為王</a:t>
-            </a:r>
-          </a:p>
-        </p:txBody>
-      </p:sp>
-      <p:sp>
-        <p:nvSpPr>
-          <p:cNvPr id="3" name="內容版面配置區 2"/>
+          <p:cNvPr id="5" name="內容版面配置區 4"/>
           <p:cNvSpPr>
             <a:spLocks noGrp="1"/>
           </p:cNvSpPr>
@@ -3525,10 +3466,15 @@
             <p:ph idx="1"/>
           </p:nvPr>
         </p:nvSpPr>
-        <p:spPr/>
-        <p:txBody>
-          <a:bodyPr>
-            <a:noAutofit/>
+        <p:spPr>
+          <a:xfrm>
+            <a:off x="0" y="2084851"/>
+            <a:ext cx="12192000" cy="2404863"/>
+          </a:xfrm>
+        </p:spPr>
+        <p:txBody>
+          <a:bodyPr anchor="ctr">
+            <a:normAutofit/>
           </a:bodyPr>
           <a:lstStyle/>
           <a:p>
@@ -3536,51 +3482,71 @@
               <a:buNone/>
             </a:pPr>
             <a:r>
-              <a:rPr lang="zh-TW" altLang="en-US" sz="5400" b="1" dirty="0" smtClean="0">
-                <a:solidFill>
-                  <a:srgbClr val="000066"/>
-                </a:solidFill>
-                <a:latin typeface="微軟正黑體" pitchFamily="34" charset="-120"/>
-                <a:ea typeface="微軟正黑體" pitchFamily="34" charset="-120"/>
-              </a:rPr>
-              <a:t>天上  地下</a:t>
-            </a:r>
-            <a:r>
-              <a:rPr lang="zh-TW" altLang="en-US" sz="5400" b="1" dirty="0" smtClean="0">
-                <a:solidFill>
-                  <a:srgbClr val="000066"/>
-                </a:solidFill>
-                <a:latin typeface="微軟正黑體" pitchFamily="34" charset="-120"/>
-                <a:ea typeface="微軟正黑體" pitchFamily="34" charset="-120"/>
-              </a:rPr>
-              <a:t>聞</a:t>
-            </a:r>
-            <a:r>
-              <a:rPr lang="zh-TW" altLang="en-US" sz="5400" b="1" dirty="0">
-                <a:solidFill>
-                  <a:srgbClr val="000066"/>
-                </a:solidFill>
-                <a:latin typeface="微軟正黑體" pitchFamily="34" charset="-120"/>
-                <a:ea typeface="微軟正黑體" pitchFamily="34" charset="-120"/>
-              </a:rPr>
-              <a:t>主尊</a:t>
-            </a:r>
-            <a:r>
-              <a:rPr lang="zh-TW" altLang="en-US" sz="5400" b="1" dirty="0" smtClean="0">
-                <a:solidFill>
-                  <a:srgbClr val="000066"/>
-                </a:solidFill>
-                <a:latin typeface="微軟正黑體" pitchFamily="34" charset="-120"/>
-                <a:ea typeface="微軟正黑體" pitchFamily="34" charset="-120"/>
-              </a:rPr>
-              <a:t>名</a:t>
-            </a:r>
-            <a:endParaRPr lang="en-US" altLang="zh-TW" sz="5400" b="1" dirty="0" smtClean="0">
+              <a:rPr lang="zh-TW" altLang="en-US" sz="6400" b="1" dirty="0">
+                <a:solidFill>
+                  <a:srgbClr val="660033"/>
+                </a:solidFill>
+                <a:latin typeface="Microsoft JhengHei" pitchFamily="34" charset="-120"/>
+                <a:ea typeface="Microsoft JhengHei" pitchFamily="34" charset="-120"/>
+              </a:rPr>
+              <a:t>奉獻冠冕極其光</a:t>
+            </a:r>
+            <a:r>
+              <a:rPr lang="zh-TW" altLang="en-US" sz="6400" b="1" dirty="0">
+                <a:solidFill>
+                  <a:srgbClr val="660033"/>
+                </a:solidFill>
+                <a:latin typeface="Microsoft JhengHei" pitchFamily="34" charset="-120"/>
+                <a:ea typeface="Microsoft JhengHei" pitchFamily="34" charset="-120"/>
+              </a:rPr>
+              <a:t>榮</a:t>
+            </a:r>
+            <a:r>
+              <a:rPr lang="en-US" altLang="zh-TW" sz="6400" b="1" dirty="0">
+                <a:solidFill>
+                  <a:srgbClr val="660033"/>
+                </a:solidFill>
+                <a:latin typeface="Microsoft JhengHei" pitchFamily="34" charset="-120"/>
+                <a:ea typeface="Microsoft JhengHei" pitchFamily="34" charset="-120"/>
+              </a:rPr>
+              <a:t> </a:t>
+            </a:r>
+            <a:r>
+              <a:rPr lang="en-US" altLang="zh-TW" sz="6400" b="1" dirty="0">
+                <a:solidFill>
+                  <a:srgbClr val="660033"/>
+                </a:solidFill>
+                <a:latin typeface="Microsoft JhengHei" pitchFamily="34" charset="-120"/>
+                <a:ea typeface="Microsoft JhengHei" pitchFamily="34" charset="-120"/>
+              </a:rPr>
+              <a:t> </a:t>
+            </a:r>
+            <a:r>
+              <a:rPr lang="zh-TW" altLang="en-US" sz="6400" b="1" dirty="0">
+                <a:solidFill>
+                  <a:srgbClr val="660033"/>
+                </a:solidFill>
+                <a:latin typeface="Microsoft JhengHei" pitchFamily="34" charset="-120"/>
+                <a:ea typeface="Microsoft JhengHei" pitchFamily="34" charset="-120"/>
+              </a:rPr>
+              <a:t>慶</a:t>
+            </a:r>
+            <a:r>
+              <a:rPr lang="zh-TW" altLang="en-US" sz="6400" b="1" dirty="0">
+                <a:solidFill>
+                  <a:srgbClr val="660033"/>
+                </a:solidFill>
+                <a:latin typeface="Microsoft JhengHei" pitchFamily="34" charset="-120"/>
+                <a:ea typeface="Microsoft JhengHei" pitchFamily="34" charset="-120"/>
+              </a:rPr>
+              <a:t>賀祂  賀祂  </a:t>
+            </a:r>
+            <a:endParaRPr lang="en-US" altLang="zh-TW" sz="6400" b="1" dirty="0">
               <a:solidFill>
-                <a:srgbClr val="000066"/>
+                <a:srgbClr val="660033"/>
               </a:solidFill>
-              <a:latin typeface="微軟正黑體" pitchFamily="34" charset="-120"/>
-              <a:ea typeface="微軟正黑體" pitchFamily="34" charset="-120"/>
+              <a:latin typeface="Microsoft JhengHei" pitchFamily="34" charset="-120"/>
+              <a:ea typeface="Microsoft JhengHei" pitchFamily="34" charset="-120"/>
             </a:endParaRPr>
           </a:p>
           <a:p>
@@ -3588,164 +3554,121 @@
               <a:buNone/>
             </a:pPr>
             <a:r>
-              <a:rPr lang="zh-TW" altLang="en-US" sz="5400" b="1" dirty="0" smtClean="0">
-                <a:solidFill>
-                  <a:srgbClr val="000066"/>
-                </a:solidFill>
-                <a:latin typeface="微軟正黑體" pitchFamily="34" charset="-120"/>
-                <a:ea typeface="微軟正黑體" pitchFamily="34" charset="-120"/>
-              </a:rPr>
-              <a:t>應該</a:t>
-            </a:r>
-            <a:r>
-              <a:rPr lang="zh-TW" altLang="en-US" sz="5400" b="1" dirty="0">
-                <a:solidFill>
-                  <a:srgbClr val="000066"/>
-                </a:solidFill>
-                <a:latin typeface="微軟正黑體" pitchFamily="34" charset="-120"/>
-                <a:ea typeface="微軟正黑體" pitchFamily="34" charset="-120"/>
-              </a:rPr>
-              <a:t>敬畏</a:t>
-            </a:r>
-            <a:r>
-              <a:rPr lang="zh-TW" altLang="en-US" sz="5400" b="1" dirty="0" smtClean="0">
-                <a:solidFill>
-                  <a:srgbClr val="000066"/>
-                </a:solidFill>
-                <a:latin typeface="微軟正黑體" pitchFamily="34" charset="-120"/>
-                <a:ea typeface="微軟正黑體" pitchFamily="34" charset="-120"/>
-              </a:rPr>
-              <a:t>頌揚</a:t>
-            </a:r>
-            <a:endParaRPr lang="en-US" altLang="zh-TW" sz="5400" b="1" dirty="0" smtClean="0">
+              <a:rPr lang="zh-TW" altLang="en-US" sz="6400" b="1" dirty="0">
+                <a:solidFill>
+                  <a:srgbClr val="660033"/>
+                </a:solidFill>
+                <a:latin typeface="Microsoft JhengHei" pitchFamily="34" charset="-120"/>
+                <a:ea typeface="Microsoft JhengHei" pitchFamily="34" charset="-120"/>
+              </a:rPr>
+              <a:t>賀祂</a:t>
+            </a:r>
+            <a:r>
+              <a:rPr lang="en-US" altLang="zh-TW" sz="6400" b="1" dirty="0">
+                <a:solidFill>
+                  <a:srgbClr val="660033"/>
+                </a:solidFill>
+                <a:latin typeface="Microsoft JhengHei" pitchFamily="34" charset="-120"/>
+                <a:ea typeface="Microsoft JhengHei" pitchFamily="34" charset="-120"/>
+              </a:rPr>
+              <a:t>  </a:t>
+            </a:r>
+            <a:r>
+              <a:rPr lang="zh-TW" altLang="en-US" sz="6400" b="1" dirty="0">
+                <a:solidFill>
+                  <a:srgbClr val="660033"/>
+                </a:solidFill>
+                <a:latin typeface="Microsoft JhengHei" pitchFamily="34" charset="-120"/>
+                <a:ea typeface="Microsoft JhengHei" pitchFamily="34" charset="-120"/>
+              </a:rPr>
+              <a:t>賀</a:t>
+            </a:r>
+            <a:r>
+              <a:rPr lang="zh-TW" altLang="en-US" sz="6400" b="1" dirty="0">
+                <a:solidFill>
+                  <a:srgbClr val="660033"/>
+                </a:solidFill>
+                <a:latin typeface="Microsoft JhengHei" pitchFamily="34" charset="-120"/>
+                <a:ea typeface="Microsoft JhengHei" pitchFamily="34" charset="-120"/>
+              </a:rPr>
+              <a:t>祂  慶賀祂為君</a:t>
+            </a:r>
+            <a:r>
+              <a:rPr lang="zh-TW" altLang="en-US" sz="6400" b="1" dirty="0">
+                <a:solidFill>
+                  <a:srgbClr val="660033"/>
+                </a:solidFill>
+                <a:latin typeface="Microsoft JhengHei" pitchFamily="34" charset="-120"/>
+                <a:ea typeface="Microsoft JhengHei" pitchFamily="34" charset="-120"/>
+              </a:rPr>
+              <a:t>王</a:t>
+            </a:r>
+            <a:endParaRPr lang="zh-TW" altLang="en-US" sz="6400" b="1" dirty="0">
               <a:solidFill>
-                <a:srgbClr val="000066"/>
+                <a:srgbClr val="660033"/>
               </a:solidFill>
-              <a:latin typeface="微軟正黑體" pitchFamily="34" charset="-120"/>
-              <a:ea typeface="微軟正黑體" pitchFamily="34" charset="-120"/>
+              <a:latin typeface="Microsoft JhengHei" pitchFamily="34" charset="-120"/>
+              <a:ea typeface="Microsoft JhengHei" pitchFamily="34" charset="-120"/>
             </a:endParaRPr>
           </a:p>
-          <a:p>
-            <a:pPr algn="ctr">
-              <a:buNone/>
-            </a:pPr>
-            <a:r>
-              <a:rPr lang="zh-TW" altLang="en-US" sz="5400" b="1" dirty="0" smtClean="0">
-                <a:solidFill>
-                  <a:srgbClr val="000066"/>
-                </a:solidFill>
-                <a:latin typeface="微軟正黑體" pitchFamily="34" charset="-120"/>
-                <a:ea typeface="微軟正黑體" pitchFamily="34" charset="-120"/>
-              </a:rPr>
-              <a:t>應該</a:t>
-            </a:r>
-            <a:r>
-              <a:rPr lang="zh-TW" altLang="en-US" sz="5400" b="1" dirty="0">
-                <a:solidFill>
-                  <a:srgbClr val="000066"/>
-                </a:solidFill>
-                <a:latin typeface="微軟正黑體" pitchFamily="34" charset="-120"/>
-                <a:ea typeface="微軟正黑體" pitchFamily="34" charset="-120"/>
-              </a:rPr>
-              <a:t>敬畏</a:t>
-            </a:r>
-            <a:r>
-              <a:rPr lang="zh-TW" altLang="en-US" sz="5400" b="1" dirty="0" smtClean="0">
-                <a:solidFill>
-                  <a:srgbClr val="000066"/>
-                </a:solidFill>
-                <a:latin typeface="微軟正黑體" pitchFamily="34" charset="-120"/>
-                <a:ea typeface="微軟正黑體" pitchFamily="34" charset="-120"/>
-              </a:rPr>
-              <a:t>頌揚</a:t>
-            </a:r>
-            <a:endParaRPr lang="en-US" altLang="zh-TW" sz="5400" b="1" dirty="0" smtClean="0">
+        </p:txBody>
+      </p:sp>
+      <p:sp>
+        <p:nvSpPr>
+          <p:cNvPr id="3" name="TextBox 2"/>
+          <p:cNvSpPr txBox="1"/>
+          <p:nvPr/>
+        </p:nvSpPr>
+        <p:spPr>
+          <a:xfrm>
+            <a:off x="0" y="5061182"/>
+            <a:ext cx="12192000" cy="830997"/>
+          </a:xfrm>
+          <a:prstGeom prst="rect">
+            <a:avLst/>
+          </a:prstGeom>
+          <a:noFill/>
+        </p:spPr>
+        <p:txBody>
+          <a:bodyPr wrap="square" rtlCol="0">
+            <a:spAutoFit/>
+          </a:bodyPr>
+          <a:lstStyle/>
+          <a:p>
+            <a:pPr algn="ctr"/>
+            <a:r>
+              <a:rPr lang="en-US" sz="4800" b="1" dirty="0">
+                <a:solidFill>
+                  <a:srgbClr val="660033"/>
+                </a:solidFill>
+              </a:rPr>
+              <a:t>( 1 )</a:t>
+            </a:r>
+            <a:endParaRPr lang="vi-VN" sz="4800" b="1" dirty="0">
               <a:solidFill>
-                <a:srgbClr val="000066"/>
+                <a:srgbClr val="660033"/>
               </a:solidFill>
-              <a:latin typeface="微軟正黑體" pitchFamily="34" charset="-120"/>
-              <a:ea typeface="微軟正黑體" pitchFamily="34" charset="-120"/>
             </a:endParaRPr>
           </a:p>
-          <a:p>
-            <a:pPr algn="ctr">
-              <a:buNone/>
-            </a:pPr>
-            <a:r>
-              <a:rPr lang="zh-TW" altLang="en-US" sz="5400" b="1" dirty="0" smtClean="0">
-                <a:solidFill>
-                  <a:srgbClr val="000066"/>
-                </a:solidFill>
-                <a:latin typeface="微軟正黑體" pitchFamily="34" charset="-120"/>
-                <a:ea typeface="微軟正黑體" pitchFamily="34" charset="-120"/>
-              </a:rPr>
-              <a:t>萬</a:t>
-            </a:r>
-            <a:r>
-              <a:rPr lang="zh-TW" altLang="en-US" sz="5400" b="1" dirty="0">
-                <a:solidFill>
-                  <a:srgbClr val="000066"/>
-                </a:solidFill>
-                <a:latin typeface="微軟正黑體" pitchFamily="34" charset="-120"/>
-                <a:ea typeface="微軟正黑體" pitchFamily="34" charset="-120"/>
-              </a:rPr>
-              <a:t>膝</a:t>
-            </a:r>
-            <a:r>
-              <a:rPr lang="zh-TW" altLang="en-US" sz="5400" b="1" dirty="0" smtClean="0">
-                <a:solidFill>
-                  <a:srgbClr val="000066"/>
-                </a:solidFill>
-                <a:latin typeface="微軟正黑體" pitchFamily="34" charset="-120"/>
-                <a:ea typeface="微軟正黑體" pitchFamily="34" charset="-120"/>
-              </a:rPr>
-              <a:t>跪拜  萬</a:t>
-            </a:r>
-            <a:r>
-              <a:rPr lang="zh-TW" altLang="en-US" sz="5400" b="1" dirty="0" smtClean="0">
-                <a:solidFill>
-                  <a:srgbClr val="000066"/>
-                </a:solidFill>
-                <a:latin typeface="微軟正黑體" pitchFamily="34" charset="-120"/>
-                <a:ea typeface="微軟正黑體" pitchFamily="34" charset="-120"/>
-              </a:rPr>
-              <a:t>口</a:t>
-            </a:r>
-            <a:r>
-              <a:rPr lang="zh-CN" altLang="en-US" sz="5400" b="1" dirty="0" smtClean="0">
-                <a:solidFill>
-                  <a:srgbClr val="000066"/>
-                </a:solidFill>
-                <a:latin typeface="微軟正黑體" pitchFamily="34" charset="-120"/>
-                <a:ea typeface="微軟正黑體" pitchFamily="34" charset="-120"/>
-              </a:rPr>
-              <a:t>歸</a:t>
-            </a:r>
-            <a:r>
-              <a:rPr lang="zh-CN" altLang="en-US" sz="5400" b="1" dirty="0" smtClean="0">
-                <a:solidFill>
-                  <a:srgbClr val="000066"/>
-                </a:solidFill>
-                <a:latin typeface="微軟正黑體" pitchFamily="34" charset="-120"/>
-                <a:ea typeface="微軟正黑體" pitchFamily="34" charset="-120"/>
-              </a:rPr>
-              <a:t>榮</a:t>
-            </a:r>
-            <a:endParaRPr lang="en-US" altLang="zh-TW" sz="5400" b="1" dirty="0" smtClean="0">
-              <a:solidFill>
-                <a:srgbClr val="000066"/>
-              </a:solidFill>
-              <a:latin typeface="微軟正黑體" pitchFamily="34" charset="-120"/>
-              <a:ea typeface="微軟正黑體" pitchFamily="34" charset="-120"/>
-            </a:endParaRPr>
-          </a:p>
         </p:txBody>
       </p:sp>
     </p:spTree>
+    <p:extLst>
+      <p:ext uri="{BB962C8B-B14F-4D97-AF65-F5344CB8AC3E}">
+        <p14:creationId xmlns:p14="http://schemas.microsoft.com/office/powerpoint/2010/main" val="605666137"/>
+      </p:ext>
+    </p:extLst>
   </p:cSld>
   <p:clrMapOvr>
     <a:masterClrMapping/>
   </p:clrMapOvr>
+  <p:timing>
+    <p:tnLst>
+      <p:par>
+        <p:cTn id="1" dur="indefinite" restart="never" nodeType="tmRoot"/>
+      </p:par>
+    </p:tnLst>
+  </p:timing>
 </p:sld>
 </file>
 
@@ -3768,75 +3691,42 @@
       </p:grpSpPr>
       <p:sp>
         <p:nvSpPr>
-          <p:cNvPr id="2" name="標題 1"/>
-          <p:cNvSpPr>
-            <a:spLocks noGrp="1"/>
-          </p:cNvSpPr>
-          <p:nvPr>
-            <p:ph type="title"/>
-          </p:nvPr>
-        </p:nvSpPr>
-        <p:spPr/>
-        <p:txBody>
-          <a:bodyPr/>
-          <a:lstStyle/>
-          <a:p>
-            <a:r>
-              <a:rPr lang="zh-TW" altLang="en-US" b="1" dirty="0">
-                <a:solidFill>
-                  <a:srgbClr val="000066"/>
+          <p:cNvPr id="5" name="內容版面配置區 4"/>
+          <p:cNvSpPr>
+            <a:spLocks noGrp="1"/>
+          </p:cNvSpPr>
+          <p:nvPr>
+            <p:ph idx="1"/>
+          </p:nvPr>
+        </p:nvSpPr>
+        <p:spPr>
+          <a:xfrm>
+            <a:off x="0" y="2084851"/>
+            <a:ext cx="12192000" cy="2404863"/>
+          </a:xfrm>
+        </p:spPr>
+        <p:txBody>
+          <a:bodyPr anchor="ctr">
+            <a:normAutofit/>
+          </a:bodyPr>
+          <a:lstStyle/>
+          <a:p>
+            <a:pPr algn="ctr">
+              <a:buNone/>
+            </a:pPr>
+            <a:r>
+              <a:rPr lang="zh-TW" altLang="en-US" sz="6400" b="1" dirty="0">
+                <a:solidFill>
+                  <a:srgbClr val="660033"/>
                 </a:solidFill>
                 <a:latin typeface="微軟正黑體" pitchFamily="34" charset="-120"/>
                 <a:ea typeface="微軟正黑體" pitchFamily="34" charset="-120"/>
               </a:rPr>
-              <a:t>賀祂為王</a:t>
-            </a:r>
-          </a:p>
-        </p:txBody>
-      </p:sp>
-      <p:sp>
-        <p:nvSpPr>
-          <p:cNvPr id="3" name="內容版面配置區 2"/>
-          <p:cNvSpPr>
-            <a:spLocks noGrp="1"/>
-          </p:cNvSpPr>
-          <p:nvPr>
-            <p:ph idx="1"/>
-          </p:nvPr>
-        </p:nvSpPr>
-        <p:spPr/>
-        <p:txBody>
-          <a:bodyPr>
-            <a:noAutofit/>
-          </a:bodyPr>
-          <a:lstStyle/>
-          <a:p>
-            <a:pPr algn="ctr">
-              <a:buNone/>
-            </a:pPr>
-            <a:r>
-              <a:rPr lang="zh-TW" altLang="en-US" sz="5400" b="1" dirty="0" smtClean="0">
-                <a:solidFill>
-                  <a:srgbClr val="000066"/>
-                </a:solidFill>
-                <a:latin typeface="微軟正黑體" pitchFamily="34" charset="-120"/>
-                <a:ea typeface="微軟正黑體" pitchFamily="34" charset="-120"/>
-              </a:rPr>
-              <a:t>慶賀祂  賀祂  賀</a:t>
-            </a:r>
-            <a:r>
-              <a:rPr lang="zh-TW" altLang="en-US" sz="5400" b="1" dirty="0" smtClean="0">
-                <a:solidFill>
-                  <a:srgbClr val="000066"/>
-                </a:solidFill>
-                <a:latin typeface="微軟正黑體" pitchFamily="34" charset="-120"/>
-                <a:ea typeface="微軟正黑體" pitchFamily="34" charset="-120"/>
-              </a:rPr>
-              <a:t>祂</a:t>
-            </a:r>
-            <a:endParaRPr lang="en-US" altLang="zh-TW" sz="5400" b="1" dirty="0">
+              <a:t>天上  地下聞主尊名</a:t>
+            </a:r>
+            <a:endParaRPr lang="en-US" altLang="zh-TW" sz="6400" b="1" dirty="0">
               <a:solidFill>
-                <a:srgbClr val="000066"/>
+                <a:srgbClr val="660033"/>
               </a:solidFill>
               <a:latin typeface="微軟正黑體" pitchFamily="34" charset="-120"/>
               <a:ea typeface="微軟正黑體" pitchFamily="34" charset="-120"/>
@@ -3847,48 +3737,38 @@
               <a:buNone/>
             </a:pPr>
             <a:r>
-              <a:rPr lang="zh-TW" altLang="en-US" sz="5400" b="1" dirty="0" smtClean="0">
-                <a:solidFill>
-                  <a:srgbClr val="000066"/>
+              <a:rPr lang="zh-TW" altLang="en-US" sz="6400" b="1" dirty="0">
+                <a:solidFill>
+                  <a:srgbClr val="660033"/>
                 </a:solidFill>
                 <a:latin typeface="微軟正黑體" pitchFamily="34" charset="-120"/>
                 <a:ea typeface="微軟正黑體" pitchFamily="34" charset="-120"/>
               </a:rPr>
-              <a:t>賀</a:t>
-            </a:r>
-            <a:r>
-              <a:rPr lang="zh-TW" altLang="en-US" sz="5400" b="1" dirty="0" smtClean="0">
-                <a:solidFill>
-                  <a:srgbClr val="000066"/>
+              <a:t>應該敬畏頌揚</a:t>
+            </a:r>
+            <a:r>
+              <a:rPr lang="en-US" altLang="zh-TW" sz="6400" b="1" dirty="0">
+                <a:solidFill>
+                  <a:srgbClr val="660033"/>
                 </a:solidFill>
                 <a:latin typeface="微軟正黑體" pitchFamily="34" charset="-120"/>
                 <a:ea typeface="微軟正黑體" pitchFamily="34" charset="-120"/>
               </a:rPr>
-              <a:t>祂  慶賀</a:t>
-            </a:r>
-            <a:r>
-              <a:rPr lang="zh-TW" altLang="en-US" sz="5400" b="1" dirty="0">
-                <a:solidFill>
-                  <a:srgbClr val="000066"/>
+              <a:t>  </a:t>
+            </a:r>
+            <a:r>
+              <a:rPr lang="zh-TW" altLang="en-US" sz="6400" b="1" dirty="0">
+                <a:solidFill>
+                  <a:srgbClr val="660033"/>
                 </a:solidFill>
                 <a:latin typeface="微軟正黑體" pitchFamily="34" charset="-120"/>
                 <a:ea typeface="微軟正黑體" pitchFamily="34" charset="-120"/>
               </a:rPr>
-              <a:t>祂為</a:t>
-            </a:r>
-            <a:r>
-              <a:rPr lang="zh-TW" altLang="en-US" sz="5400" b="1" dirty="0" smtClean="0">
-                <a:solidFill>
-                  <a:srgbClr val="000066"/>
-                </a:solidFill>
-                <a:latin typeface="微軟正黑體" pitchFamily="34" charset="-120"/>
-                <a:ea typeface="微軟正黑體" pitchFamily="34" charset="-120"/>
-              </a:rPr>
-              <a:t>君王</a:t>
-            </a:r>
-            <a:endParaRPr lang="zh-TW" altLang="en-US" sz="5400" b="1" dirty="0">
+              <a:t>應該敬畏頌揚</a:t>
+            </a:r>
+            <a:endParaRPr lang="en-US" altLang="zh-TW" sz="6400" b="1" dirty="0">
               <a:solidFill>
-                <a:srgbClr val="000066"/>
+                <a:srgbClr val="660033"/>
               </a:solidFill>
               <a:latin typeface="微軟正黑體" pitchFamily="34" charset="-120"/>
               <a:ea typeface="微軟正黑體" pitchFamily="34" charset="-120"/>
@@ -3896,11 +3776,62 @@
           </a:p>
         </p:txBody>
       </p:sp>
+      <p:sp>
+        <p:nvSpPr>
+          <p:cNvPr id="3" name="TextBox 2"/>
+          <p:cNvSpPr txBox="1"/>
+          <p:nvPr/>
+        </p:nvSpPr>
+        <p:spPr>
+          <a:xfrm>
+            <a:off x="0" y="5061182"/>
+            <a:ext cx="12192000" cy="830997"/>
+          </a:xfrm>
+          <a:prstGeom prst="rect">
+            <a:avLst/>
+          </a:prstGeom>
+          <a:noFill/>
+        </p:spPr>
+        <p:txBody>
+          <a:bodyPr wrap="square" rtlCol="0">
+            <a:spAutoFit/>
+          </a:bodyPr>
+          <a:lstStyle/>
+          <a:p>
+            <a:pPr algn="ctr"/>
+            <a:r>
+              <a:rPr lang="en-US" sz="4800" b="1" dirty="0">
+                <a:solidFill>
+                  <a:srgbClr val="660033"/>
+                </a:solidFill>
+              </a:rPr>
+              <a:t>( 2 )</a:t>
+            </a:r>
+            <a:endParaRPr lang="vi-VN" sz="4800" b="1" dirty="0">
+              <a:solidFill>
+                <a:srgbClr val="660033"/>
+              </a:solidFill>
+            </a:endParaRPr>
+          </a:p>
+        </p:txBody>
+      </p:sp>
     </p:spTree>
+    <p:extLst>
+      <p:ext uri="{BB962C8B-B14F-4D97-AF65-F5344CB8AC3E}">
+        <p14:creationId xmlns:p14="http://schemas.microsoft.com/office/powerpoint/2010/main" val="405633192"/>
+      </p:ext>
+    </p:extLst>
   </p:cSld>
   <p:clrMapOvr>
     <a:masterClrMapping/>
   </p:clrMapOvr>
+  <p:timing>
+    <p:tnLst>
+      <p:par>
+        <p:cTn id="1" dur="indefinite" restart="never" nodeType="tmRoot"/>
+      </p:par>
+    </p:tnLst>
+  </p:timing>
 </p:sld>
 </file>
 
@@ -3923,186 +3854,167 @@
       </p:grpSpPr>
       <p:sp>
         <p:nvSpPr>
-          <p:cNvPr id="2" name="標題 1"/>
-          <p:cNvSpPr>
-            <a:spLocks noGrp="1"/>
-          </p:cNvSpPr>
-          <p:nvPr>
-            <p:ph type="title"/>
-          </p:nvPr>
-        </p:nvSpPr>
-        <p:spPr/>
-        <p:txBody>
-          <a:bodyPr/>
-          <a:lstStyle/>
-          <a:p>
-            <a:r>
-              <a:rPr lang="zh-TW" altLang="en-US" b="1" dirty="0">
-                <a:solidFill>
-                  <a:srgbClr val="000066"/>
+          <p:cNvPr id="5" name="內容版面配置區 4"/>
+          <p:cNvSpPr>
+            <a:spLocks noGrp="1"/>
+          </p:cNvSpPr>
+          <p:nvPr>
+            <p:ph idx="1"/>
+          </p:nvPr>
+        </p:nvSpPr>
+        <p:spPr>
+          <a:xfrm>
+            <a:off x="0" y="2084851"/>
+            <a:ext cx="12192000" cy="2404863"/>
+          </a:xfrm>
+        </p:spPr>
+        <p:txBody>
+          <a:bodyPr anchor="ctr">
+            <a:normAutofit/>
+          </a:bodyPr>
+          <a:lstStyle/>
+          <a:p>
+            <a:pPr algn="ctr">
+              <a:buNone/>
+            </a:pPr>
+            <a:r>
+              <a:rPr lang="zh-TW" altLang="en-US" sz="6400" b="1" dirty="0">
+                <a:solidFill>
+                  <a:srgbClr val="660033"/>
                 </a:solidFill>
                 <a:latin typeface="微軟正黑體" pitchFamily="34" charset="-120"/>
                 <a:ea typeface="微軟正黑體" pitchFamily="34" charset="-120"/>
               </a:rPr>
-              <a:t>賀祂為王</a:t>
-            </a:r>
-          </a:p>
-        </p:txBody>
-      </p:sp>
-      <p:sp>
-        <p:nvSpPr>
-          <p:cNvPr id="3" name="內容版面配置區 2"/>
-          <p:cNvSpPr>
-            <a:spLocks noGrp="1"/>
-          </p:cNvSpPr>
-          <p:nvPr>
-            <p:ph idx="1"/>
-          </p:nvPr>
-        </p:nvSpPr>
-        <p:spPr/>
-        <p:txBody>
-          <a:bodyPr>
-            <a:noAutofit/>
-          </a:bodyPr>
-          <a:lstStyle/>
-          <a:p>
-            <a:pPr algn="ctr">
-              <a:buNone/>
-            </a:pPr>
-            <a:r>
-              <a:rPr lang="zh-CN" altLang="en-US" sz="5400" b="1" dirty="0" smtClean="0">
-                <a:solidFill>
-                  <a:srgbClr val="000066"/>
+              <a:t>萬膝跪拜萬口</a:t>
+            </a:r>
+            <a:r>
+              <a:rPr lang="zh-CN" altLang="en-US" sz="6400" b="1" dirty="0">
+                <a:solidFill>
+                  <a:srgbClr val="660033"/>
                 </a:solidFill>
                 <a:latin typeface="微軟正黑體" pitchFamily="34" charset="-120"/>
                 <a:ea typeface="微軟正黑體" pitchFamily="34" charset="-120"/>
               </a:rPr>
-              <a:t>尊貴  榮耀  智慧  能力</a:t>
-            </a:r>
-            <a:endParaRPr lang="en-US" altLang="zh-CN" sz="5400" b="1" dirty="0" smtClean="0">
+              <a:t>歸榮  </a:t>
+            </a:r>
+            <a:r>
+              <a:rPr lang="zh-TW" altLang="en-US" sz="6400" b="1" dirty="0">
+                <a:solidFill>
+                  <a:srgbClr val="660033"/>
+                </a:solidFill>
+                <a:latin typeface="Microsoft JhengHei" pitchFamily="34" charset="-120"/>
+                <a:ea typeface="Microsoft JhengHei" pitchFamily="34" charset="-120"/>
+              </a:rPr>
+              <a:t>慶賀祂  賀祂  </a:t>
+            </a:r>
+            <a:endParaRPr lang="en-US" altLang="zh-TW" sz="6400" b="1" dirty="0">
               <a:solidFill>
-                <a:srgbClr val="000066"/>
+                <a:srgbClr val="660033"/>
+              </a:solidFill>
+              <a:latin typeface="Microsoft JhengHei" pitchFamily="34" charset="-120"/>
+              <a:ea typeface="Microsoft JhengHei" pitchFamily="34" charset="-120"/>
+            </a:endParaRPr>
+          </a:p>
+          <a:p>
+            <a:pPr algn="ctr">
+              <a:buNone/>
+            </a:pPr>
+            <a:r>
+              <a:rPr lang="zh-TW" altLang="en-US" sz="6400" b="1" dirty="0">
+                <a:solidFill>
+                  <a:srgbClr val="660033"/>
+                </a:solidFill>
+                <a:latin typeface="Microsoft JhengHei" pitchFamily="34" charset="-120"/>
+                <a:ea typeface="Microsoft JhengHei" pitchFamily="34" charset="-120"/>
+              </a:rPr>
+              <a:t>賀祂</a:t>
+            </a:r>
+            <a:r>
+              <a:rPr lang="en-US" altLang="zh-TW" sz="6400" b="1" dirty="0">
+                <a:solidFill>
+                  <a:srgbClr val="660033"/>
+                </a:solidFill>
+                <a:latin typeface="Microsoft JhengHei" pitchFamily="34" charset="-120"/>
+                <a:ea typeface="Microsoft JhengHei" pitchFamily="34" charset="-120"/>
+              </a:rPr>
+              <a:t>  </a:t>
+            </a:r>
+            <a:r>
+              <a:rPr lang="zh-TW" altLang="en-US" sz="6400" b="1" dirty="0">
+                <a:solidFill>
+                  <a:srgbClr val="660033"/>
+                </a:solidFill>
+                <a:latin typeface="Microsoft JhengHei" pitchFamily="34" charset="-120"/>
+                <a:ea typeface="Microsoft JhengHei" pitchFamily="34" charset="-120"/>
+              </a:rPr>
+              <a:t>賀祂  慶賀祂為君王</a:t>
+            </a:r>
+            <a:endParaRPr lang="en-US" altLang="zh-TW" sz="6400" b="1" dirty="0">
+              <a:solidFill>
+                <a:srgbClr val="660033"/>
               </a:solidFill>
               <a:latin typeface="微軟正黑體" pitchFamily="34" charset="-120"/>
               <a:ea typeface="微軟正黑體" pitchFamily="34" charset="-120"/>
             </a:endParaRPr>
           </a:p>
-          <a:p>
-            <a:pPr algn="ctr">
-              <a:buNone/>
-            </a:pPr>
-            <a:r>
-              <a:rPr lang="zh-CN" altLang="en-US" sz="5400" b="1" dirty="0" smtClean="0">
-                <a:solidFill>
-                  <a:srgbClr val="000066"/>
-                </a:solidFill>
-                <a:latin typeface="微軟正黑體" pitchFamily="34" charset="-120"/>
-                <a:ea typeface="微軟正黑體" pitchFamily="34" charset="-120"/>
-              </a:rPr>
-              <a:t>都歸被殺</a:t>
-            </a:r>
-            <a:r>
-              <a:rPr lang="zh-CN" altLang="en-US" sz="5400" b="1" dirty="0" smtClean="0">
-                <a:solidFill>
-                  <a:srgbClr val="000066"/>
-                </a:solidFill>
-                <a:latin typeface="微軟正黑體" pitchFamily="34" charset="-120"/>
-                <a:ea typeface="微軟正黑體" pitchFamily="34" charset="-120"/>
-              </a:rPr>
-              <a:t>羔羊</a:t>
-            </a:r>
-            <a:endParaRPr lang="en-US" altLang="zh-CN" sz="5400" b="1" dirty="0" smtClean="0">
+        </p:txBody>
+      </p:sp>
+      <p:sp>
+        <p:nvSpPr>
+          <p:cNvPr id="3" name="TextBox 2"/>
+          <p:cNvSpPr txBox="1"/>
+          <p:nvPr/>
+        </p:nvSpPr>
+        <p:spPr>
+          <a:xfrm>
+            <a:off x="0" y="5061182"/>
+            <a:ext cx="12192000" cy="830997"/>
+          </a:xfrm>
+          <a:prstGeom prst="rect">
+            <a:avLst/>
+          </a:prstGeom>
+          <a:noFill/>
+        </p:spPr>
+        <p:txBody>
+          <a:bodyPr wrap="square" rtlCol="0">
+            <a:spAutoFit/>
+          </a:bodyPr>
+          <a:lstStyle/>
+          <a:p>
+            <a:pPr algn="ctr"/>
+            <a:r>
+              <a:rPr lang="en-US" sz="4800" b="1" dirty="0">
+                <a:solidFill>
+                  <a:srgbClr val="660033"/>
+                </a:solidFill>
+              </a:rPr>
+              <a:t>( 2 )</a:t>
+            </a:r>
+            <a:endParaRPr lang="vi-VN" sz="4800" b="1" dirty="0">
               <a:solidFill>
-                <a:srgbClr val="000066"/>
+                <a:srgbClr val="660033"/>
               </a:solidFill>
-              <a:latin typeface="微軟正黑體" pitchFamily="34" charset="-120"/>
-              <a:ea typeface="微軟正黑體" pitchFamily="34" charset="-120"/>
             </a:endParaRPr>
           </a:p>
-          <a:p>
-            <a:pPr algn="ctr">
-              <a:buNone/>
-            </a:pPr>
-            <a:r>
-              <a:rPr lang="zh-CN" altLang="en-US" sz="5400" b="1" dirty="0" smtClean="0">
-                <a:solidFill>
-                  <a:srgbClr val="000066"/>
-                </a:solidFill>
-                <a:latin typeface="微軟正黑體" pitchFamily="34" charset="-120"/>
-                <a:ea typeface="微軟正黑體" pitchFamily="34" charset="-120"/>
-              </a:rPr>
-              <a:t>都</a:t>
-            </a:r>
-            <a:r>
-              <a:rPr lang="zh-CN" altLang="en-US" sz="5400" b="1" dirty="0" smtClean="0">
-                <a:solidFill>
-                  <a:srgbClr val="000066"/>
-                </a:solidFill>
-                <a:latin typeface="微軟正黑體" pitchFamily="34" charset="-120"/>
-                <a:ea typeface="微軟正黑體" pitchFamily="34" charset="-120"/>
-              </a:rPr>
-              <a:t>歸被殺</a:t>
-            </a:r>
-            <a:r>
-              <a:rPr lang="zh-CN" altLang="en-US" sz="5400" b="1" dirty="0" smtClean="0">
-                <a:solidFill>
-                  <a:srgbClr val="000066"/>
-                </a:solidFill>
-                <a:latin typeface="微軟正黑體" pitchFamily="34" charset="-120"/>
-                <a:ea typeface="微軟正黑體" pitchFamily="34" charset="-120"/>
-              </a:rPr>
-              <a:t>羔羊</a:t>
-            </a:r>
-            <a:endParaRPr lang="en-US" altLang="zh-CN" sz="5400" b="1" dirty="0" smtClean="0">
-              <a:solidFill>
-                <a:srgbClr val="000066"/>
-              </a:solidFill>
-              <a:latin typeface="微軟正黑體" pitchFamily="34" charset="-120"/>
-              <a:ea typeface="微軟正黑體" pitchFamily="34" charset="-120"/>
-            </a:endParaRPr>
-          </a:p>
-          <a:p>
-            <a:pPr algn="ctr">
-              <a:buNone/>
-            </a:pPr>
-            <a:r>
-              <a:rPr lang="zh-CN" altLang="en-US" sz="5400" b="1" dirty="0">
-                <a:solidFill>
-                  <a:srgbClr val="000066"/>
-                </a:solidFill>
-                <a:latin typeface="微軟正黑體" pitchFamily="34" charset="-120"/>
-                <a:ea typeface="微軟正黑體" pitchFamily="34" charset="-120"/>
-              </a:rPr>
-              <a:t>聖</a:t>
-            </a:r>
-            <a:r>
-              <a:rPr lang="zh-CN" altLang="en-US" sz="5400" b="1" dirty="0" smtClean="0">
-                <a:solidFill>
-                  <a:srgbClr val="000066"/>
-                </a:solidFill>
-                <a:latin typeface="微軟正黑體" pitchFamily="34" charset="-120"/>
-                <a:ea typeface="微軟正黑體" pitchFamily="34" charset="-120"/>
-              </a:rPr>
-              <a:t>徒天使讚美</a:t>
-            </a:r>
-            <a:r>
-              <a:rPr lang="zh-CN" altLang="en-US" sz="5400" b="1" dirty="0" smtClean="0">
-                <a:solidFill>
-                  <a:srgbClr val="000066"/>
-                </a:solidFill>
-                <a:latin typeface="微軟正黑體" pitchFamily="34" charset="-120"/>
-                <a:ea typeface="微軟正黑體" pitchFamily="34" charset="-120"/>
-              </a:rPr>
-              <a:t>不息</a:t>
-            </a:r>
-          </a:p>
         </p:txBody>
       </p:sp>
     </p:spTree>
+    <p:extLst>
+      <p:ext uri="{BB962C8B-B14F-4D97-AF65-F5344CB8AC3E}">
+        <p14:creationId xmlns:p14="http://schemas.microsoft.com/office/powerpoint/2010/main" val="932727888"/>
+      </p:ext>
+    </p:extLst>
   </p:cSld>
   <p:clrMapOvr>
     <a:masterClrMapping/>
   </p:clrMapOvr>
+  <p:timing>
+    <p:tnLst>
+      <p:par>
+        <p:cTn id="1" dur="indefinite" restart="never" nodeType="tmRoot"/>
+      </p:par>
+    </p:tnLst>
+  </p:timing>
 </p:sld>
 </file>
 
@@ -4125,75 +4037,42 @@
       </p:grpSpPr>
       <p:sp>
         <p:nvSpPr>
-          <p:cNvPr id="2" name="標題 1"/>
-          <p:cNvSpPr>
-            <a:spLocks noGrp="1"/>
-          </p:cNvSpPr>
-          <p:nvPr>
-            <p:ph type="title"/>
-          </p:nvPr>
-        </p:nvSpPr>
-        <p:spPr/>
-        <p:txBody>
-          <a:bodyPr/>
-          <a:lstStyle/>
-          <a:p>
-            <a:r>
-              <a:rPr lang="zh-TW" altLang="en-US" b="1" dirty="0">
-                <a:solidFill>
-                  <a:srgbClr val="000066"/>
+          <p:cNvPr id="5" name="內容版面配置區 4"/>
+          <p:cNvSpPr>
+            <a:spLocks noGrp="1"/>
+          </p:cNvSpPr>
+          <p:nvPr>
+            <p:ph idx="1"/>
+          </p:nvPr>
+        </p:nvSpPr>
+        <p:spPr>
+          <a:xfrm>
+            <a:off x="0" y="2084851"/>
+            <a:ext cx="12192000" cy="2404863"/>
+          </a:xfrm>
+        </p:spPr>
+        <p:txBody>
+          <a:bodyPr anchor="ctr">
+            <a:normAutofit/>
+          </a:bodyPr>
+          <a:lstStyle/>
+          <a:p>
+            <a:pPr algn="ctr">
+              <a:buNone/>
+            </a:pPr>
+            <a:r>
+              <a:rPr lang="zh-CN" altLang="en-US" sz="6400" b="1" dirty="0">
+                <a:solidFill>
+                  <a:srgbClr val="660033"/>
                 </a:solidFill>
                 <a:latin typeface="微軟正黑體" pitchFamily="34" charset="-120"/>
                 <a:ea typeface="微軟正黑體" pitchFamily="34" charset="-120"/>
               </a:rPr>
-              <a:t>賀祂為王</a:t>
-            </a:r>
-          </a:p>
-        </p:txBody>
-      </p:sp>
-      <p:sp>
-        <p:nvSpPr>
-          <p:cNvPr id="3" name="內容版面配置區 2"/>
-          <p:cNvSpPr>
-            <a:spLocks noGrp="1"/>
-          </p:cNvSpPr>
-          <p:nvPr>
-            <p:ph idx="1"/>
-          </p:nvPr>
-        </p:nvSpPr>
-        <p:spPr/>
-        <p:txBody>
-          <a:bodyPr>
-            <a:noAutofit/>
-          </a:bodyPr>
-          <a:lstStyle/>
-          <a:p>
-            <a:pPr algn="ctr">
-              <a:buNone/>
-            </a:pPr>
-            <a:r>
-              <a:rPr lang="zh-TW" altLang="en-US" sz="5400" b="1" dirty="0" smtClean="0">
-                <a:solidFill>
-                  <a:srgbClr val="000066"/>
-                </a:solidFill>
-                <a:latin typeface="微軟正黑體" pitchFamily="34" charset="-120"/>
-                <a:ea typeface="微軟正黑體" pitchFamily="34" charset="-120"/>
-              </a:rPr>
-              <a:t>慶賀祂  賀祂  賀</a:t>
-            </a:r>
-            <a:r>
-              <a:rPr lang="zh-TW" altLang="en-US" sz="5400" b="1" dirty="0" smtClean="0">
-                <a:solidFill>
-                  <a:srgbClr val="000066"/>
-                </a:solidFill>
-                <a:latin typeface="微軟正黑體" pitchFamily="34" charset="-120"/>
-                <a:ea typeface="微軟正黑體" pitchFamily="34" charset="-120"/>
-              </a:rPr>
-              <a:t>祂</a:t>
-            </a:r>
-            <a:endParaRPr lang="en-US" altLang="zh-TW" sz="5400" b="1" dirty="0">
+              <a:t>尊貴  榮耀  智慧  能力</a:t>
+            </a:r>
+            <a:endParaRPr lang="en-US" altLang="zh-CN" sz="6400" b="1" dirty="0">
               <a:solidFill>
-                <a:srgbClr val="000066"/>
+                <a:srgbClr val="660033"/>
               </a:solidFill>
               <a:latin typeface="微軟正黑體" pitchFamily="34" charset="-120"/>
               <a:ea typeface="微軟正黑體" pitchFamily="34" charset="-120"/>
@@ -4204,48 +4083,38 @@
               <a:buNone/>
             </a:pPr>
             <a:r>
-              <a:rPr lang="zh-TW" altLang="en-US" sz="5400" b="1" dirty="0" smtClean="0">
-                <a:solidFill>
-                  <a:srgbClr val="000066"/>
+              <a:rPr lang="zh-CN" altLang="en-US" sz="6400" b="1" dirty="0">
+                <a:solidFill>
+                  <a:srgbClr val="660033"/>
                 </a:solidFill>
                 <a:latin typeface="微軟正黑體" pitchFamily="34" charset="-120"/>
                 <a:ea typeface="微軟正黑體" pitchFamily="34" charset="-120"/>
               </a:rPr>
-              <a:t>賀</a:t>
-            </a:r>
-            <a:r>
-              <a:rPr lang="zh-TW" altLang="en-US" sz="5400" b="1" dirty="0" smtClean="0">
-                <a:solidFill>
-                  <a:srgbClr val="000066"/>
+              <a:t>都歸被殺羔羊</a:t>
+            </a:r>
+            <a:r>
+              <a:rPr lang="en-US" altLang="zh-CN" sz="6400" b="1" dirty="0">
+                <a:solidFill>
+                  <a:srgbClr val="660033"/>
                 </a:solidFill>
                 <a:latin typeface="微軟正黑體" pitchFamily="34" charset="-120"/>
                 <a:ea typeface="微軟正黑體" pitchFamily="34" charset="-120"/>
               </a:rPr>
-              <a:t>祂  慶賀</a:t>
-            </a:r>
-            <a:r>
-              <a:rPr lang="zh-TW" altLang="en-US" sz="5400" b="1" dirty="0">
-                <a:solidFill>
-                  <a:srgbClr val="000066"/>
+              <a:t>  </a:t>
+            </a:r>
+            <a:r>
+              <a:rPr lang="zh-CN" altLang="en-US" sz="6400" b="1" dirty="0">
+                <a:solidFill>
+                  <a:srgbClr val="660033"/>
                 </a:solidFill>
                 <a:latin typeface="微軟正黑體" pitchFamily="34" charset="-120"/>
                 <a:ea typeface="微軟正黑體" pitchFamily="34" charset="-120"/>
               </a:rPr>
-              <a:t>祂為</a:t>
-            </a:r>
-            <a:r>
-              <a:rPr lang="zh-TW" altLang="en-US" sz="5400" b="1" dirty="0" smtClean="0">
-                <a:solidFill>
-                  <a:srgbClr val="000066"/>
-                </a:solidFill>
-                <a:latin typeface="微軟正黑體" pitchFamily="34" charset="-120"/>
-                <a:ea typeface="微軟正黑體" pitchFamily="34" charset="-120"/>
-              </a:rPr>
-              <a:t>君王</a:t>
-            </a:r>
-            <a:endParaRPr lang="zh-TW" altLang="en-US" sz="5400" b="1" dirty="0">
+              <a:t>都歸被殺羔羊</a:t>
+            </a:r>
+            <a:endParaRPr lang="en-US" altLang="zh-CN" sz="6400" b="1" dirty="0">
               <a:solidFill>
-                <a:srgbClr val="000066"/>
+                <a:srgbClr val="660033"/>
               </a:solidFill>
               <a:latin typeface="微軟正黑體" pitchFamily="34" charset="-120"/>
               <a:ea typeface="微軟正黑體" pitchFamily="34" charset="-120"/>
@@ -4253,11 +4122,235 @@
           </a:p>
         </p:txBody>
       </p:sp>
+      <p:sp>
+        <p:nvSpPr>
+          <p:cNvPr id="3" name="TextBox 2"/>
+          <p:cNvSpPr txBox="1"/>
+          <p:nvPr/>
+        </p:nvSpPr>
+        <p:spPr>
+          <a:xfrm>
+            <a:off x="0" y="5061182"/>
+            <a:ext cx="12192000" cy="830997"/>
+          </a:xfrm>
+          <a:prstGeom prst="rect">
+            <a:avLst/>
+          </a:prstGeom>
+          <a:noFill/>
+        </p:spPr>
+        <p:txBody>
+          <a:bodyPr wrap="square" rtlCol="0">
+            <a:spAutoFit/>
+          </a:bodyPr>
+          <a:lstStyle/>
+          <a:p>
+            <a:pPr algn="ctr"/>
+            <a:r>
+              <a:rPr lang="en-US" sz="4800" b="1" dirty="0">
+                <a:solidFill>
+                  <a:srgbClr val="660033"/>
+                </a:solidFill>
+              </a:rPr>
+              <a:t>( 3 )</a:t>
+            </a:r>
+            <a:endParaRPr lang="vi-VN" sz="4800" b="1" dirty="0">
+              <a:solidFill>
+                <a:srgbClr val="660033"/>
+              </a:solidFill>
+            </a:endParaRPr>
+          </a:p>
+        </p:txBody>
+      </p:sp>
     </p:spTree>
+    <p:extLst>
+      <p:ext uri="{BB962C8B-B14F-4D97-AF65-F5344CB8AC3E}">
+        <p14:creationId xmlns:p14="http://schemas.microsoft.com/office/powerpoint/2010/main" val="1637150920"/>
+      </p:ext>
+    </p:extLst>
   </p:cSld>
   <p:clrMapOvr>
     <a:masterClrMapping/>
   </p:clrMapOvr>
+  <p:timing>
+    <p:tnLst>
+      <p:par>
+        <p:cTn id="1" dur="indefinite" restart="never" nodeType="tmRoot"/>
+      </p:par>
+    </p:tnLst>
+  </p:timing>
+</p:sld>
+</file>
+
+<file path=ppt/slides/slide7.xml><?xml version="1.0" encoding="utf-8"?>
+<p:sld xmlns:a="http://schemas.openxmlformats.org/drawingml/2006/main" xmlns:r="http://schemas.openxmlformats.org/officeDocument/2006/relationships" xmlns:p="http://schemas.openxmlformats.org/presentationml/2006/main">
+  <p:cSld>
+    <p:spTree>
+      <p:nvGrpSpPr>
+        <p:cNvPr id="1" name=""/>
+        <p:cNvGrpSpPr/>
+        <p:nvPr/>
+      </p:nvGrpSpPr>
+      <p:grpSpPr>
+        <a:xfrm>
+          <a:off x="0" y="0"/>
+          <a:ext cx="0" cy="0"/>
+          <a:chOff x="0" y="0"/>
+          <a:chExt cx="0" cy="0"/>
+        </a:xfrm>
+      </p:grpSpPr>
+      <p:sp>
+        <p:nvSpPr>
+          <p:cNvPr id="5" name="內容版面配置區 4"/>
+          <p:cNvSpPr>
+            <a:spLocks noGrp="1"/>
+          </p:cNvSpPr>
+          <p:nvPr>
+            <p:ph idx="1"/>
+          </p:nvPr>
+        </p:nvSpPr>
+        <p:spPr>
+          <a:xfrm>
+            <a:off x="0" y="2084851"/>
+            <a:ext cx="12192000" cy="2404863"/>
+          </a:xfrm>
+        </p:spPr>
+        <p:txBody>
+          <a:bodyPr anchor="ctr">
+            <a:normAutofit/>
+          </a:bodyPr>
+          <a:lstStyle/>
+          <a:p>
+            <a:pPr algn="ctr">
+              <a:buNone/>
+            </a:pPr>
+            <a:r>
+              <a:rPr lang="zh-CN" altLang="en-US" sz="6400" b="1" dirty="0">
+                <a:solidFill>
+                  <a:srgbClr val="660033"/>
+                </a:solidFill>
+                <a:latin typeface="微軟正黑體" pitchFamily="34" charset="-120"/>
+                <a:ea typeface="微軟正黑體" pitchFamily="34" charset="-120"/>
+              </a:rPr>
+              <a:t>聖徒天使讚美不息  </a:t>
+            </a:r>
+            <a:r>
+              <a:rPr lang="zh-TW" altLang="en-US" sz="6400" b="1" dirty="0">
+                <a:solidFill>
+                  <a:srgbClr val="660033"/>
+                </a:solidFill>
+                <a:latin typeface="Microsoft JhengHei" pitchFamily="34" charset="-120"/>
+                <a:ea typeface="Microsoft JhengHei" pitchFamily="34" charset="-120"/>
+              </a:rPr>
+              <a:t>慶賀祂  賀祂  </a:t>
+            </a:r>
+            <a:endParaRPr lang="en-US" altLang="zh-TW" sz="6400" b="1" dirty="0">
+              <a:solidFill>
+                <a:srgbClr val="660033"/>
+              </a:solidFill>
+              <a:latin typeface="Microsoft JhengHei" pitchFamily="34" charset="-120"/>
+              <a:ea typeface="Microsoft JhengHei" pitchFamily="34" charset="-120"/>
+            </a:endParaRPr>
+          </a:p>
+          <a:p>
+            <a:pPr algn="ctr">
+              <a:buNone/>
+            </a:pPr>
+            <a:r>
+              <a:rPr lang="zh-TW" altLang="en-US" sz="6400" b="1" dirty="0">
+                <a:solidFill>
+                  <a:srgbClr val="660033"/>
+                </a:solidFill>
+                <a:latin typeface="Microsoft JhengHei" pitchFamily="34" charset="-120"/>
+                <a:ea typeface="Microsoft JhengHei" pitchFamily="34" charset="-120"/>
+              </a:rPr>
+              <a:t>賀祂</a:t>
+            </a:r>
+            <a:r>
+              <a:rPr lang="en-US" altLang="zh-TW" sz="6400" b="1" dirty="0">
+                <a:solidFill>
+                  <a:srgbClr val="660033"/>
+                </a:solidFill>
+                <a:latin typeface="Microsoft JhengHei" pitchFamily="34" charset="-120"/>
+                <a:ea typeface="Microsoft JhengHei" pitchFamily="34" charset="-120"/>
+              </a:rPr>
+              <a:t>  </a:t>
+            </a:r>
+            <a:r>
+              <a:rPr lang="zh-TW" altLang="en-US" sz="6400" b="1" dirty="0">
+                <a:solidFill>
+                  <a:srgbClr val="660033"/>
+                </a:solidFill>
+                <a:latin typeface="Microsoft JhengHei" pitchFamily="34" charset="-120"/>
+                <a:ea typeface="Microsoft JhengHei" pitchFamily="34" charset="-120"/>
+              </a:rPr>
+              <a:t>賀祂  慶賀祂為君王</a:t>
+            </a:r>
+            <a:endParaRPr lang="en-US" altLang="zh-TW" sz="6400" b="1" dirty="0">
+              <a:solidFill>
+                <a:srgbClr val="660033"/>
+              </a:solidFill>
+              <a:latin typeface="微軟正黑體" pitchFamily="34" charset="-120"/>
+              <a:ea typeface="微軟正黑體" pitchFamily="34" charset="-120"/>
+            </a:endParaRPr>
+          </a:p>
+        </p:txBody>
+      </p:sp>
+      <p:sp>
+        <p:nvSpPr>
+          <p:cNvPr id="3" name="TextBox 2"/>
+          <p:cNvSpPr txBox="1"/>
+          <p:nvPr/>
+        </p:nvSpPr>
+        <p:spPr>
+          <a:xfrm>
+            <a:off x="0" y="5061182"/>
+            <a:ext cx="12192000" cy="830997"/>
+          </a:xfrm>
+          <a:prstGeom prst="rect">
+            <a:avLst/>
+          </a:prstGeom>
+          <a:noFill/>
+        </p:spPr>
+        <p:txBody>
+          <a:bodyPr wrap="square" rtlCol="0">
+            <a:spAutoFit/>
+          </a:bodyPr>
+          <a:lstStyle/>
+          <a:p>
+            <a:pPr algn="ctr"/>
+            <a:r>
+              <a:rPr lang="en-US" sz="4800" b="1" dirty="0">
+                <a:solidFill>
+                  <a:srgbClr val="660033"/>
+                </a:solidFill>
+              </a:rPr>
+              <a:t>( 3 )</a:t>
+            </a:r>
+            <a:endParaRPr lang="vi-VN" sz="4800" b="1" dirty="0">
+              <a:solidFill>
+                <a:srgbClr val="660033"/>
+              </a:solidFill>
+            </a:endParaRPr>
+          </a:p>
+        </p:txBody>
+      </p:sp>
+    </p:spTree>
+    <p:extLst>
+      <p:ext uri="{BB962C8B-B14F-4D97-AF65-F5344CB8AC3E}">
+        <p14:creationId xmlns:p14="http://schemas.microsoft.com/office/powerpoint/2010/main" val="595925036"/>
+      </p:ext>
+    </p:extLst>
+  </p:cSld>
+  <p:clrMapOvr>
+    <a:masterClrMapping/>
+  </p:clrMapOvr>
+  <p:timing>
+    <p:tnLst>
+      <p:par>
+        <p:cTn id="1" dur="indefinite" restart="never" nodeType="tmRoot"/>
+      </p:par>
+    </p:tnLst>
+  </p:timing>
 </p:sld>
 </file>
 

--- a/宣道詩/(宣道詩4)賀他為王.pptx
+++ b/宣道詩/(宣道詩4)賀他為王.pptx
@@ -5,13 +5,16 @@
     <p:sldMasterId id="2147483660" r:id="rId1"/>
   </p:sldMasterIdLst>
   <p:sldIdLst>
-    <p:sldId id="263" r:id="rId2"/>
-    <p:sldId id="264" r:id="rId3"/>
-    <p:sldId id="265" r:id="rId4"/>
-    <p:sldId id="266" r:id="rId5"/>
-    <p:sldId id="267" r:id="rId6"/>
-    <p:sldId id="268" r:id="rId7"/>
-    <p:sldId id="269" r:id="rId8"/>
+    <p:sldId id="270" r:id="rId2"/>
+    <p:sldId id="271" r:id="rId3"/>
+    <p:sldId id="272" r:id="rId4"/>
+    <p:sldId id="273" r:id="rId5"/>
+    <p:sldId id="274" r:id="rId6"/>
+    <p:sldId id="275" r:id="rId7"/>
+    <p:sldId id="276" r:id="rId8"/>
+    <p:sldId id="277" r:id="rId9"/>
+    <p:sldId id="278" r:id="rId10"/>
+    <p:sldId id="279" r:id="rId11"/>
   </p:sldIdLst>
   <p:sldSz cx="12192000" cy="6858000"/>
   <p:notesSz cx="6858000" cy="9144000"/>
@@ -311,7 +314,7 @@
             <a:fld id="{67588844-C5A0-4CF3-8BFD-900505372999}" type="datetimeFigureOut">
               <a:rPr lang="zh-TW" altLang="en-US" smtClean="0"/>
               <a:pPr/>
-              <a:t>2021/12/11</a:t>
+              <a:t>2022/12/3</a:t>
             </a:fld>
             <a:endParaRPr lang="zh-TW" altLang="en-US"/>
           </a:p>
@@ -478,7 +481,7 @@
             <a:fld id="{67588844-C5A0-4CF3-8BFD-900505372999}" type="datetimeFigureOut">
               <a:rPr lang="zh-TW" altLang="en-US" smtClean="0"/>
               <a:pPr/>
-              <a:t>2021/12/11</a:t>
+              <a:t>2022/12/3</a:t>
             </a:fld>
             <a:endParaRPr lang="zh-TW" altLang="en-US"/>
           </a:p>
@@ -655,7 +658,7 @@
             <a:fld id="{67588844-C5A0-4CF3-8BFD-900505372999}" type="datetimeFigureOut">
               <a:rPr lang="zh-TW" altLang="en-US" smtClean="0"/>
               <a:pPr/>
-              <a:t>2021/12/11</a:t>
+              <a:t>2022/12/3</a:t>
             </a:fld>
             <a:endParaRPr lang="zh-TW" altLang="en-US"/>
           </a:p>
@@ -822,7 +825,7 @@
             <a:fld id="{67588844-C5A0-4CF3-8BFD-900505372999}" type="datetimeFigureOut">
               <a:rPr lang="zh-TW" altLang="en-US" smtClean="0"/>
               <a:pPr/>
-              <a:t>2021/12/11</a:t>
+              <a:t>2022/12/3</a:t>
             </a:fld>
             <a:endParaRPr lang="zh-TW" altLang="en-US"/>
           </a:p>
@@ -1065,7 +1068,7 @@
             <a:fld id="{67588844-C5A0-4CF3-8BFD-900505372999}" type="datetimeFigureOut">
               <a:rPr lang="zh-TW" altLang="en-US" smtClean="0"/>
               <a:pPr/>
-              <a:t>2021/12/11</a:t>
+              <a:t>2022/12/3</a:t>
             </a:fld>
             <a:endParaRPr lang="zh-TW" altLang="en-US"/>
           </a:p>
@@ -1350,7 +1353,7 @@
             <a:fld id="{67588844-C5A0-4CF3-8BFD-900505372999}" type="datetimeFigureOut">
               <a:rPr lang="zh-TW" altLang="en-US" smtClean="0"/>
               <a:pPr/>
-              <a:t>2021/12/11</a:t>
+              <a:t>2022/12/3</a:t>
             </a:fld>
             <a:endParaRPr lang="zh-TW" altLang="en-US"/>
           </a:p>
@@ -1769,7 +1772,7 @@
             <a:fld id="{67588844-C5A0-4CF3-8BFD-900505372999}" type="datetimeFigureOut">
               <a:rPr lang="zh-TW" altLang="en-US" smtClean="0"/>
               <a:pPr/>
-              <a:t>2021/12/11</a:t>
+              <a:t>2022/12/3</a:t>
             </a:fld>
             <a:endParaRPr lang="zh-TW" altLang="en-US"/>
           </a:p>
@@ -1884,7 +1887,7 @@
             <a:fld id="{67588844-C5A0-4CF3-8BFD-900505372999}" type="datetimeFigureOut">
               <a:rPr lang="zh-TW" altLang="en-US" smtClean="0"/>
               <a:pPr/>
-              <a:t>2021/12/11</a:t>
+              <a:t>2022/12/3</a:t>
             </a:fld>
             <a:endParaRPr lang="zh-TW" altLang="en-US"/>
           </a:p>
@@ -1976,7 +1979,7 @@
             <a:fld id="{67588844-C5A0-4CF3-8BFD-900505372999}" type="datetimeFigureOut">
               <a:rPr lang="zh-TW" altLang="en-US" smtClean="0"/>
               <a:pPr/>
-              <a:t>2021/12/11</a:t>
+              <a:t>2022/12/3</a:t>
             </a:fld>
             <a:endParaRPr lang="zh-TW" altLang="en-US"/>
           </a:p>
@@ -2250,7 +2253,7 @@
             <a:fld id="{67588844-C5A0-4CF3-8BFD-900505372999}" type="datetimeFigureOut">
               <a:rPr lang="zh-TW" altLang="en-US" smtClean="0"/>
               <a:pPr/>
-              <a:t>2021/12/11</a:t>
+              <a:t>2022/12/3</a:t>
             </a:fld>
             <a:endParaRPr lang="zh-TW" altLang="en-US"/>
           </a:p>
@@ -2504,7 +2507,7 @@
             <a:fld id="{67588844-C5A0-4CF3-8BFD-900505372999}" type="datetimeFigureOut">
               <a:rPr lang="zh-TW" altLang="en-US" smtClean="0"/>
               <a:pPr/>
-              <a:t>2021/12/11</a:t>
+              <a:t>2022/12/3</a:t>
             </a:fld>
             <a:endParaRPr lang="zh-TW" altLang="en-US"/>
           </a:p>
@@ -2719,7 +2722,7 @@
             <a:fld id="{67588844-C5A0-4CF3-8BFD-900505372999}" type="datetimeFigureOut">
               <a:rPr lang="zh-TW" altLang="en-US" smtClean="0"/>
               <a:pPr/>
-              <a:t>2021/12/11</a:t>
+              <a:t>2022/12/3</a:t>
             </a:fld>
             <a:endParaRPr lang="zh-TW" altLang="en-US"/>
           </a:p>
@@ -3194,24 +3197,7 @@
                 <a:latin typeface="微軟正黑體" pitchFamily="34" charset="-120"/>
                 <a:ea typeface="微軟正黑體" pitchFamily="34" charset="-120"/>
               </a:rPr>
-              <a:t>賀</a:t>
-            </a:r>
-            <a:r>
-              <a:rPr lang="zh-TW" altLang="en-US" sz="8000" b="1" dirty="0">
-                <a:solidFill>
-                  <a:srgbClr val="660033"/>
-                </a:solidFill>
-                <a:effectLst>
-                  <a:outerShdw blurRad="38100" dist="38100" dir="2700000" algn="tl">
-                    <a:srgbClr val="000000">
-                      <a:alpha val="43137"/>
-                    </a:srgbClr>
-                  </a:outerShdw>
-                </a:effectLst>
-                <a:latin typeface="微軟正黑體" pitchFamily="34" charset="-120"/>
-                <a:ea typeface="微軟正黑體" pitchFamily="34" charset="-120"/>
-              </a:rPr>
-              <a:t>祂為王</a:t>
+              <a:t>賀祂為王</a:t>
             </a:r>
           </a:p>
         </p:txBody>
@@ -3219,7 +3205,154 @@
     </p:spTree>
     <p:extLst>
       <p:ext uri="{BB962C8B-B14F-4D97-AF65-F5344CB8AC3E}">
-        <p14:creationId xmlns:p14="http://schemas.microsoft.com/office/powerpoint/2010/main" val="1146182987"/>
+        <p14:creationId xmlns:p14="http://schemas.microsoft.com/office/powerpoint/2010/main" val="2218549897"/>
+      </p:ext>
+    </p:extLst>
+  </p:cSld>
+  <p:clrMapOvr>
+    <a:masterClrMapping/>
+  </p:clrMapOvr>
+  <p:timing>
+    <p:tnLst>
+      <p:par>
+        <p:cTn id="1" dur="indefinite" restart="never" nodeType="tmRoot"/>
+      </p:par>
+    </p:tnLst>
+  </p:timing>
+</p:sld>
+</file>
+
+<file path=ppt/slides/slide10.xml><?xml version="1.0" encoding="utf-8"?>
+<p:sld xmlns:a="http://schemas.openxmlformats.org/drawingml/2006/main" xmlns:r="http://schemas.openxmlformats.org/officeDocument/2006/relationships" xmlns:p="http://schemas.openxmlformats.org/presentationml/2006/main">
+  <p:cSld>
+    <p:spTree>
+      <p:nvGrpSpPr>
+        <p:cNvPr id="1" name=""/>
+        <p:cNvGrpSpPr/>
+        <p:nvPr/>
+      </p:nvGrpSpPr>
+      <p:grpSpPr>
+        <a:xfrm>
+          <a:off x="0" y="0"/>
+          <a:ext cx="0" cy="0"/>
+          <a:chOff x="0" y="0"/>
+          <a:chExt cx="0" cy="0"/>
+        </a:xfrm>
+      </p:grpSpPr>
+      <p:sp>
+        <p:nvSpPr>
+          <p:cNvPr id="5" name="內容版面配置區 4"/>
+          <p:cNvSpPr>
+            <a:spLocks noGrp="1"/>
+          </p:cNvSpPr>
+          <p:nvPr>
+            <p:ph idx="1"/>
+          </p:nvPr>
+        </p:nvSpPr>
+        <p:spPr>
+          <a:xfrm>
+            <a:off x="0" y="2084853"/>
+            <a:ext cx="12192000" cy="2404863"/>
+          </a:xfrm>
+        </p:spPr>
+        <p:txBody>
+          <a:bodyPr anchor="ctr">
+            <a:normAutofit/>
+          </a:bodyPr>
+          <a:lstStyle/>
+          <a:p>
+            <a:pPr algn="ctr">
+              <a:buNone/>
+            </a:pPr>
+            <a:r>
+              <a:rPr lang="zh-TW" altLang="en-US" sz="6400" b="1" dirty="0">
+                <a:solidFill>
+                  <a:srgbClr val="660033"/>
+                </a:solidFill>
+                <a:latin typeface="Microsoft JhengHei" pitchFamily="34" charset="-120"/>
+                <a:ea typeface="Microsoft JhengHei" pitchFamily="34" charset="-120"/>
+              </a:rPr>
+              <a:t>慶賀</a:t>
+            </a:r>
+            <a:r>
+              <a:rPr lang="en-US" altLang="zh-TW" sz="6400" b="1" dirty="0">
+                <a:solidFill>
+                  <a:srgbClr val="660033"/>
+                </a:solidFill>
+                <a:latin typeface="Microsoft JhengHei" pitchFamily="34" charset="-120"/>
+                <a:ea typeface="Microsoft JhengHei" pitchFamily="34" charset="-120"/>
+              </a:rPr>
+              <a:t>~</a:t>
+            </a:r>
+            <a:r>
+              <a:rPr lang="zh-TW" altLang="en-US" sz="6400" b="1" dirty="0">
+                <a:solidFill>
+                  <a:srgbClr val="660033"/>
+                </a:solidFill>
+                <a:latin typeface="Microsoft JhengHei" pitchFamily="34" charset="-120"/>
+                <a:ea typeface="Microsoft JhengHei" pitchFamily="34" charset="-120"/>
+              </a:rPr>
+              <a:t>祂  </a:t>
+            </a:r>
+            <a:r>
+              <a:rPr lang="zh-TW" altLang="en-US" sz="6400" b="1" dirty="0">
+                <a:solidFill>
+                  <a:srgbClr val="660033"/>
+                </a:solidFill>
+                <a:latin typeface="Microsoft JhengHei" pitchFamily="34" charset="-120"/>
+                <a:ea typeface="Microsoft JhengHei" pitchFamily="34" charset="-120"/>
+              </a:rPr>
+              <a:t>賀祂  </a:t>
+            </a:r>
+            <a:r>
+              <a:rPr lang="zh-TW" altLang="en-US" sz="6400" b="1" dirty="0">
+                <a:solidFill>
+                  <a:srgbClr val="660033"/>
+                </a:solidFill>
+                <a:latin typeface="Microsoft JhengHei" pitchFamily="34" charset="-120"/>
+                <a:ea typeface="Microsoft JhengHei" pitchFamily="34" charset="-120"/>
+              </a:rPr>
+              <a:t>賀祂</a:t>
+            </a:r>
+            <a:endParaRPr lang="en-US" altLang="zh-TW" sz="6400" b="1" dirty="0">
+              <a:solidFill>
+                <a:srgbClr val="660033"/>
+              </a:solidFill>
+              <a:latin typeface="Microsoft JhengHei" pitchFamily="34" charset="-120"/>
+              <a:ea typeface="Microsoft JhengHei" pitchFamily="34" charset="-120"/>
+            </a:endParaRPr>
+          </a:p>
+          <a:p>
+            <a:pPr algn="ctr">
+              <a:buNone/>
+            </a:pPr>
+            <a:r>
+              <a:rPr lang="zh-TW" altLang="en-US" sz="6400" b="1" dirty="0">
+                <a:solidFill>
+                  <a:srgbClr val="660033"/>
+                </a:solidFill>
+                <a:latin typeface="Microsoft JhengHei" pitchFamily="34" charset="-120"/>
+                <a:ea typeface="Microsoft JhengHei" pitchFamily="34" charset="-120"/>
+              </a:rPr>
+              <a:t>賀祂慶</a:t>
+            </a:r>
+            <a:r>
+              <a:rPr lang="zh-TW" altLang="en-US" sz="6400" b="1" dirty="0">
+                <a:solidFill>
+                  <a:srgbClr val="660033"/>
+                </a:solidFill>
+                <a:latin typeface="Microsoft JhengHei" pitchFamily="34" charset="-120"/>
+                <a:ea typeface="Microsoft JhengHei" pitchFamily="34" charset="-120"/>
+              </a:rPr>
+              <a:t>賀祂為君王</a:t>
+            </a:r>
+          </a:p>
+        </p:txBody>
+      </p:sp>
+    </p:spTree>
+    <p:extLst>
+      <p:ext uri="{BB962C8B-B14F-4D97-AF65-F5344CB8AC3E}">
+        <p14:creationId xmlns:p14="http://schemas.microsoft.com/office/powerpoint/2010/main" val="2765393314"/>
       </p:ext>
     </p:extLst>
   </p:cSld>
@@ -3265,7 +3398,7 @@
         </p:nvSpPr>
         <p:spPr>
           <a:xfrm>
-            <a:off x="0" y="2084851"/>
+            <a:off x="0" y="2084853"/>
             <a:ext cx="12192000" cy="2404863"/>
           </a:xfrm>
         </p:spPr>
@@ -3286,17 +3419,7 @@
                 <a:latin typeface="Microsoft JhengHei" pitchFamily="34" charset="-120"/>
                 <a:ea typeface="Microsoft JhengHei" pitchFamily="34" charset="-120"/>
               </a:rPr>
-              <a:t>大</a:t>
-            </a:r>
-            <a:r>
-              <a:rPr lang="zh-TW" altLang="en-US" sz="6400" b="1" dirty="0">
-                <a:solidFill>
-                  <a:srgbClr val="660033"/>
-                </a:solidFill>
-                <a:latin typeface="Microsoft JhengHei" pitchFamily="34" charset="-120"/>
-                <a:ea typeface="Microsoft JhengHei" pitchFamily="34" charset="-120"/>
-              </a:rPr>
-              <a:t>哉  聖哉  耶穌之名</a:t>
+              <a:t>大哉  聖哉  耶穌之名</a:t>
             </a:r>
             <a:endParaRPr lang="en-US" altLang="zh-TW" sz="6400" b="1" dirty="0">
               <a:solidFill>
@@ -3318,57 +3441,27 @@
                 <a:latin typeface="Microsoft JhengHei" pitchFamily="34" charset="-120"/>
                 <a:ea typeface="Microsoft JhengHei" pitchFamily="34" charset="-120"/>
               </a:rPr>
-              <a:t>天上萬軍頌</a:t>
-            </a:r>
-            <a:r>
-              <a:rPr lang="zh-TW" altLang="en-US" sz="6400" b="1" dirty="0">
+              <a:t>天上萬軍頌揚</a:t>
+            </a:r>
+            <a:r>
+              <a:rPr lang="en-US" altLang="zh-TW" sz="6400" b="1" dirty="0">
                 <a:solidFill>
                   <a:srgbClr val="660033"/>
                 </a:solidFill>
                 <a:latin typeface="Microsoft JhengHei" pitchFamily="34" charset="-120"/>
                 <a:ea typeface="Microsoft JhengHei" pitchFamily="34" charset="-120"/>
               </a:rPr>
-              <a:t>揚</a:t>
-            </a:r>
-            <a:r>
-              <a:rPr lang="en-US" altLang="zh-TW" sz="6400" b="1" dirty="0">
+              <a:t>  </a:t>
+            </a:r>
+            <a:r>
+              <a:rPr lang="zh-TW" altLang="en-US" sz="6400" b="1" dirty="0">
                 <a:solidFill>
                   <a:srgbClr val="660033"/>
                 </a:solidFill>
                 <a:latin typeface="Microsoft JhengHei" pitchFamily="34" charset="-120"/>
                 <a:ea typeface="Microsoft JhengHei" pitchFamily="34" charset="-120"/>
               </a:rPr>
-              <a:t> </a:t>
-            </a:r>
-            <a:r>
-              <a:rPr lang="en-US" altLang="zh-TW" sz="6400" b="1" dirty="0">
-                <a:solidFill>
-                  <a:srgbClr val="660033"/>
-                </a:solidFill>
-                <a:latin typeface="Microsoft JhengHei" pitchFamily="34" charset="-120"/>
-                <a:ea typeface="Microsoft JhengHei" pitchFamily="34" charset="-120"/>
-              </a:rPr>
-              <a:t> </a:t>
-            </a:r>
-            <a:r>
-              <a:rPr lang="zh-TW" altLang="en-US" sz="6400" b="1" dirty="0">
-                <a:solidFill>
-                  <a:srgbClr val="660033"/>
-                </a:solidFill>
-                <a:latin typeface="Microsoft JhengHei" pitchFamily="34" charset="-120"/>
-                <a:ea typeface="Microsoft JhengHei" pitchFamily="34" charset="-120"/>
-              </a:rPr>
-              <a:t>天</a:t>
-            </a:r>
-            <a:r>
-              <a:rPr lang="zh-TW" altLang="en-US" sz="6400" b="1" dirty="0">
-                <a:solidFill>
-                  <a:srgbClr val="660033"/>
-                </a:solidFill>
-                <a:latin typeface="Microsoft JhengHei" pitchFamily="34" charset="-120"/>
-                <a:ea typeface="Microsoft JhengHei" pitchFamily="34" charset="-120"/>
-              </a:rPr>
-              <a:t>上萬軍頌揚</a:t>
+              <a:t>天上萬軍頌揚</a:t>
             </a:r>
             <a:endParaRPr lang="en-US" altLang="zh-TW" sz="6400" b="1" dirty="0">
               <a:solidFill>
@@ -3388,7 +3481,7 @@
         </p:nvSpPr>
         <p:spPr>
           <a:xfrm>
-            <a:off x="0" y="5061182"/>
+            <a:off x="0" y="5061183"/>
             <a:ext cx="12192000" cy="830997"/>
           </a:xfrm>
           <a:prstGeom prst="rect">
@@ -3409,7 +3502,23 @@
                   <a:srgbClr val="660033"/>
                 </a:solidFill>
               </a:rPr>
-              <a:t>( 1 )</a:t>
+              <a:t>( </a:t>
+            </a:r>
+            <a:r>
+              <a:rPr lang="en-US" sz="4800" b="1" dirty="0">
+                <a:solidFill>
+                  <a:srgbClr val="660033"/>
+                </a:solidFill>
+              </a:rPr>
+              <a:t>1 / 3 </a:t>
+            </a:r>
+            <a:r>
+              <a:rPr lang="en-US" sz="4800" b="1" dirty="0">
+                <a:solidFill>
+                  <a:srgbClr val="660033"/>
+                </a:solidFill>
+              </a:rPr>
+              <a:t>)</a:t>
             </a:r>
             <a:endParaRPr lang="vi-VN" sz="4800" b="1" dirty="0">
               <a:solidFill>
@@ -3422,7 +3531,7 @@
     </p:spTree>
     <p:extLst>
       <p:ext uri="{BB962C8B-B14F-4D97-AF65-F5344CB8AC3E}">
-        <p14:creationId xmlns:p14="http://schemas.microsoft.com/office/powerpoint/2010/main" val="173060654"/>
+        <p14:creationId xmlns:p14="http://schemas.microsoft.com/office/powerpoint/2010/main" val="2757334159"/>
       </p:ext>
     </p:extLst>
   </p:cSld>
@@ -3468,7 +3577,7 @@
         </p:nvSpPr>
         <p:spPr>
           <a:xfrm>
-            <a:off x="0" y="2084851"/>
+            <a:off x="0" y="2084853"/>
             <a:ext cx="12192000" cy="2404863"/>
           </a:xfrm>
         </p:spPr>
@@ -3500,108 +3609,6 @@
                 <a:ea typeface="Microsoft JhengHei" pitchFamily="34" charset="-120"/>
               </a:rPr>
               <a:t>榮</a:t>
-            </a:r>
-            <a:r>
-              <a:rPr lang="en-US" altLang="zh-TW" sz="6400" b="1" dirty="0">
-                <a:solidFill>
-                  <a:srgbClr val="660033"/>
-                </a:solidFill>
-                <a:latin typeface="Microsoft JhengHei" pitchFamily="34" charset="-120"/>
-                <a:ea typeface="Microsoft JhengHei" pitchFamily="34" charset="-120"/>
-              </a:rPr>
-              <a:t> </a:t>
-            </a:r>
-            <a:r>
-              <a:rPr lang="en-US" altLang="zh-TW" sz="6400" b="1" dirty="0">
-                <a:solidFill>
-                  <a:srgbClr val="660033"/>
-                </a:solidFill>
-                <a:latin typeface="Microsoft JhengHei" pitchFamily="34" charset="-120"/>
-                <a:ea typeface="Microsoft JhengHei" pitchFamily="34" charset="-120"/>
-              </a:rPr>
-              <a:t> </a:t>
-            </a:r>
-            <a:r>
-              <a:rPr lang="zh-TW" altLang="en-US" sz="6400" b="1" dirty="0">
-                <a:solidFill>
-                  <a:srgbClr val="660033"/>
-                </a:solidFill>
-                <a:latin typeface="Microsoft JhengHei" pitchFamily="34" charset="-120"/>
-                <a:ea typeface="Microsoft JhengHei" pitchFamily="34" charset="-120"/>
-              </a:rPr>
-              <a:t>慶</a:t>
-            </a:r>
-            <a:r>
-              <a:rPr lang="zh-TW" altLang="en-US" sz="6400" b="1" dirty="0">
-                <a:solidFill>
-                  <a:srgbClr val="660033"/>
-                </a:solidFill>
-                <a:latin typeface="Microsoft JhengHei" pitchFamily="34" charset="-120"/>
-                <a:ea typeface="Microsoft JhengHei" pitchFamily="34" charset="-120"/>
-              </a:rPr>
-              <a:t>賀祂  賀祂  </a:t>
-            </a:r>
-            <a:endParaRPr lang="en-US" altLang="zh-TW" sz="6400" b="1" dirty="0">
-              <a:solidFill>
-                <a:srgbClr val="660033"/>
-              </a:solidFill>
-              <a:latin typeface="Microsoft JhengHei" pitchFamily="34" charset="-120"/>
-              <a:ea typeface="Microsoft JhengHei" pitchFamily="34" charset="-120"/>
-            </a:endParaRPr>
-          </a:p>
-          <a:p>
-            <a:pPr algn="ctr">
-              <a:buNone/>
-            </a:pPr>
-            <a:r>
-              <a:rPr lang="zh-TW" altLang="en-US" sz="6400" b="1" dirty="0">
-                <a:solidFill>
-                  <a:srgbClr val="660033"/>
-                </a:solidFill>
-                <a:latin typeface="Microsoft JhengHei" pitchFamily="34" charset="-120"/>
-                <a:ea typeface="Microsoft JhengHei" pitchFamily="34" charset="-120"/>
-              </a:rPr>
-              <a:t>賀祂</a:t>
-            </a:r>
-            <a:r>
-              <a:rPr lang="en-US" altLang="zh-TW" sz="6400" b="1" dirty="0">
-                <a:solidFill>
-                  <a:srgbClr val="660033"/>
-                </a:solidFill>
-                <a:latin typeface="Microsoft JhengHei" pitchFamily="34" charset="-120"/>
-                <a:ea typeface="Microsoft JhengHei" pitchFamily="34" charset="-120"/>
-              </a:rPr>
-              <a:t>  </a:t>
-            </a:r>
-            <a:r>
-              <a:rPr lang="zh-TW" altLang="en-US" sz="6400" b="1" dirty="0">
-                <a:solidFill>
-                  <a:srgbClr val="660033"/>
-                </a:solidFill>
-                <a:latin typeface="Microsoft JhengHei" pitchFamily="34" charset="-120"/>
-                <a:ea typeface="Microsoft JhengHei" pitchFamily="34" charset="-120"/>
-              </a:rPr>
-              <a:t>賀</a:t>
-            </a:r>
-            <a:r>
-              <a:rPr lang="zh-TW" altLang="en-US" sz="6400" b="1" dirty="0">
-                <a:solidFill>
-                  <a:srgbClr val="660033"/>
-                </a:solidFill>
-                <a:latin typeface="Microsoft JhengHei" pitchFamily="34" charset="-120"/>
-                <a:ea typeface="Microsoft JhengHei" pitchFamily="34" charset="-120"/>
-              </a:rPr>
-              <a:t>祂  慶賀祂為君</a:t>
-            </a:r>
-            <a:r>
-              <a:rPr lang="zh-TW" altLang="en-US" sz="6400" b="1" dirty="0">
-                <a:solidFill>
-                  <a:srgbClr val="660033"/>
-                </a:solidFill>
-                <a:latin typeface="Microsoft JhengHei" pitchFamily="34" charset="-120"/>
-                <a:ea typeface="Microsoft JhengHei" pitchFamily="34" charset="-120"/>
-              </a:rPr>
-              <a:t>王</a:t>
             </a:r>
             <a:endParaRPr lang="zh-TW" altLang="en-US" sz="6400" b="1" dirty="0">
               <a:solidFill>
@@ -3621,7 +3628,7 @@
         </p:nvSpPr>
         <p:spPr>
           <a:xfrm>
-            <a:off x="0" y="5061182"/>
+            <a:off x="0" y="5061183"/>
             <a:ext cx="12192000" cy="830997"/>
           </a:xfrm>
           <a:prstGeom prst="rect">
@@ -3642,7 +3649,7 @@
                   <a:srgbClr val="660033"/>
                 </a:solidFill>
               </a:rPr>
-              <a:t>( 1 )</a:t>
+              <a:t>( 1 / 3 )</a:t>
             </a:r>
             <a:endParaRPr lang="vi-VN" sz="4800" b="1" dirty="0">
               <a:solidFill>
@@ -3655,7 +3662,7 @@
     </p:spTree>
     <p:extLst>
       <p:ext uri="{BB962C8B-B14F-4D97-AF65-F5344CB8AC3E}">
-        <p14:creationId xmlns:p14="http://schemas.microsoft.com/office/powerpoint/2010/main" val="605666137"/>
+        <p14:creationId xmlns:p14="http://schemas.microsoft.com/office/powerpoint/2010/main" val="2525273112"/>
       </p:ext>
     </p:extLst>
   </p:cSld>
@@ -3701,7 +3708,7 @@
         </p:nvSpPr>
         <p:spPr>
           <a:xfrm>
-            <a:off x="0" y="2084851"/>
+            <a:off x="0" y="2084853"/>
             <a:ext cx="12192000" cy="2404863"/>
           </a:xfrm>
         </p:spPr>
@@ -3719,17 +3726,57 @@
                 <a:solidFill>
                   <a:srgbClr val="660033"/>
                 </a:solidFill>
-                <a:latin typeface="微軟正黑體" pitchFamily="34" charset="-120"/>
-                <a:ea typeface="微軟正黑體" pitchFamily="34" charset="-120"/>
-              </a:rPr>
-              <a:t>天上  地下聞主尊名</a:t>
+                <a:latin typeface="Microsoft JhengHei" pitchFamily="34" charset="-120"/>
+                <a:ea typeface="Microsoft JhengHei" pitchFamily="34" charset="-120"/>
+              </a:rPr>
+              <a:t>慶賀</a:t>
+            </a:r>
+            <a:r>
+              <a:rPr lang="en-US" altLang="zh-TW" sz="6400" b="1" dirty="0">
+                <a:solidFill>
+                  <a:srgbClr val="660033"/>
+                </a:solidFill>
+                <a:latin typeface="Microsoft JhengHei" pitchFamily="34" charset="-120"/>
+                <a:ea typeface="Microsoft JhengHei" pitchFamily="34" charset="-120"/>
+              </a:rPr>
+              <a:t>~</a:t>
+            </a:r>
+            <a:r>
+              <a:rPr lang="zh-TW" altLang="en-US" sz="6400" b="1" dirty="0">
+                <a:solidFill>
+                  <a:srgbClr val="660033"/>
+                </a:solidFill>
+                <a:latin typeface="Microsoft JhengHei" pitchFamily="34" charset="-120"/>
+                <a:ea typeface="Microsoft JhengHei" pitchFamily="34" charset="-120"/>
+              </a:rPr>
+              <a:t>祂  </a:t>
+            </a:r>
+            <a:r>
+              <a:rPr lang="zh-TW" altLang="en-US" sz="6400" b="1" dirty="0">
+                <a:solidFill>
+                  <a:srgbClr val="660033"/>
+                </a:solidFill>
+                <a:latin typeface="Microsoft JhengHei" pitchFamily="34" charset="-120"/>
+                <a:ea typeface="Microsoft JhengHei" pitchFamily="34" charset="-120"/>
+              </a:rPr>
+              <a:t>賀祂  </a:t>
+            </a:r>
+            <a:r>
+              <a:rPr lang="zh-TW" altLang="en-US" sz="6400" b="1" dirty="0">
+                <a:solidFill>
+                  <a:srgbClr val="660033"/>
+                </a:solidFill>
+                <a:latin typeface="Microsoft JhengHei" pitchFamily="34" charset="-120"/>
+                <a:ea typeface="Microsoft JhengHei" pitchFamily="34" charset="-120"/>
+              </a:rPr>
+              <a:t>賀祂</a:t>
             </a:r>
             <a:endParaRPr lang="en-US" altLang="zh-TW" sz="6400" b="1" dirty="0">
               <a:solidFill>
                 <a:srgbClr val="660033"/>
               </a:solidFill>
-              <a:latin typeface="微軟正黑體" pitchFamily="34" charset="-120"/>
-              <a:ea typeface="微軟正黑體" pitchFamily="34" charset="-120"/>
+              <a:latin typeface="Microsoft JhengHei" pitchFamily="34" charset="-120"/>
+              <a:ea typeface="Microsoft JhengHei" pitchFamily="34" charset="-120"/>
             </a:endParaRPr>
           </a:p>
           <a:p>
@@ -3741,84 +3788,28 @@
                 <a:solidFill>
                   <a:srgbClr val="660033"/>
                 </a:solidFill>
-                <a:latin typeface="微軟正黑體" pitchFamily="34" charset="-120"/>
-                <a:ea typeface="微軟正黑體" pitchFamily="34" charset="-120"/>
-              </a:rPr>
-              <a:t>應該敬畏頌揚</a:t>
-            </a:r>
-            <a:r>
-              <a:rPr lang="en-US" altLang="zh-TW" sz="6400" b="1" dirty="0">
-                <a:solidFill>
-                  <a:srgbClr val="660033"/>
-                </a:solidFill>
-                <a:latin typeface="微軟正黑體" pitchFamily="34" charset="-120"/>
-                <a:ea typeface="微軟正黑體" pitchFamily="34" charset="-120"/>
-              </a:rPr>
-              <a:t>  </a:t>
+                <a:latin typeface="Microsoft JhengHei" pitchFamily="34" charset="-120"/>
+                <a:ea typeface="Microsoft JhengHei" pitchFamily="34" charset="-120"/>
+              </a:rPr>
+              <a:t>賀祂慶</a:t>
             </a:r>
             <a:r>
               <a:rPr lang="zh-TW" altLang="en-US" sz="6400" b="1" dirty="0">
                 <a:solidFill>
                   <a:srgbClr val="660033"/>
                 </a:solidFill>
-                <a:latin typeface="微軟正黑體" pitchFamily="34" charset="-120"/>
-                <a:ea typeface="微軟正黑體" pitchFamily="34" charset="-120"/>
-              </a:rPr>
-              <a:t>應該敬畏頌揚</a:t>
-            </a:r>
-            <a:endParaRPr lang="en-US" altLang="zh-TW" sz="6400" b="1" dirty="0">
-              <a:solidFill>
-                <a:srgbClr val="660033"/>
-              </a:solidFill>
-              <a:latin typeface="微軟正黑體" pitchFamily="34" charset="-120"/>
-              <a:ea typeface="微軟正黑體" pitchFamily="34" charset="-120"/>
-            </a:endParaRPr>
-          </a:p>
-        </p:txBody>
-      </p:sp>
-      <p:sp>
-        <p:nvSpPr>
-          <p:cNvPr id="3" name="TextBox 2"/>
-          <p:cNvSpPr txBox="1"/>
-          <p:nvPr/>
-        </p:nvSpPr>
-        <p:spPr>
-          <a:xfrm>
-            <a:off x="0" y="5061182"/>
-            <a:ext cx="12192000" cy="830997"/>
-          </a:xfrm>
-          <a:prstGeom prst="rect">
-            <a:avLst/>
-          </a:prstGeom>
-          <a:noFill/>
-        </p:spPr>
-        <p:txBody>
-          <a:bodyPr wrap="square" rtlCol="0">
-            <a:spAutoFit/>
-          </a:bodyPr>
-          <a:lstStyle/>
-          <a:p>
-            <a:pPr algn="ctr"/>
-            <a:r>
-              <a:rPr lang="en-US" sz="4800" b="1" dirty="0">
-                <a:solidFill>
-                  <a:srgbClr val="660033"/>
-                </a:solidFill>
-              </a:rPr>
-              <a:t>( 2 )</a:t>
-            </a:r>
-            <a:endParaRPr lang="vi-VN" sz="4800" b="1" dirty="0">
-              <a:solidFill>
-                <a:srgbClr val="660033"/>
-              </a:solidFill>
-            </a:endParaRPr>
+                <a:latin typeface="Microsoft JhengHei" pitchFamily="34" charset="-120"/>
+                <a:ea typeface="Microsoft JhengHei" pitchFamily="34" charset="-120"/>
+              </a:rPr>
+              <a:t>賀祂為君王</a:t>
+            </a:r>
           </a:p>
         </p:txBody>
       </p:sp>
     </p:spTree>
     <p:extLst>
       <p:ext uri="{BB962C8B-B14F-4D97-AF65-F5344CB8AC3E}">
-        <p14:creationId xmlns:p14="http://schemas.microsoft.com/office/powerpoint/2010/main" val="405633192"/>
+        <p14:creationId xmlns:p14="http://schemas.microsoft.com/office/powerpoint/2010/main" val="3440349098"/>
       </p:ext>
     </p:extLst>
   </p:cSld>
@@ -3864,7 +3855,7 @@
         </p:nvSpPr>
         <p:spPr>
           <a:xfrm>
-            <a:off x="0" y="2084851"/>
+            <a:off x="0" y="2084853"/>
             <a:ext cx="12192000" cy="2404863"/>
           </a:xfrm>
         </p:spPr>
@@ -3885,69 +3876,7 @@
                 <a:latin typeface="微軟正黑體" pitchFamily="34" charset="-120"/>
                 <a:ea typeface="微軟正黑體" pitchFamily="34" charset="-120"/>
               </a:rPr>
-              <a:t>萬膝跪拜萬口</a:t>
-            </a:r>
-            <a:r>
-              <a:rPr lang="zh-CN" altLang="en-US" sz="6400" b="1" dirty="0">
-                <a:solidFill>
-                  <a:srgbClr val="660033"/>
-                </a:solidFill>
-                <a:latin typeface="微軟正黑體" pitchFamily="34" charset="-120"/>
-                <a:ea typeface="微軟正黑體" pitchFamily="34" charset="-120"/>
-              </a:rPr>
-              <a:t>歸榮  </a:t>
-            </a:r>
-            <a:r>
-              <a:rPr lang="zh-TW" altLang="en-US" sz="6400" b="1" dirty="0">
-                <a:solidFill>
-                  <a:srgbClr val="660033"/>
-                </a:solidFill>
-                <a:latin typeface="Microsoft JhengHei" pitchFamily="34" charset="-120"/>
-                <a:ea typeface="Microsoft JhengHei" pitchFamily="34" charset="-120"/>
-              </a:rPr>
-              <a:t>慶賀祂  賀祂  </a:t>
-            </a:r>
-            <a:endParaRPr lang="en-US" altLang="zh-TW" sz="6400" b="1" dirty="0">
-              <a:solidFill>
-                <a:srgbClr val="660033"/>
-              </a:solidFill>
-              <a:latin typeface="Microsoft JhengHei" pitchFamily="34" charset="-120"/>
-              <a:ea typeface="Microsoft JhengHei" pitchFamily="34" charset="-120"/>
-            </a:endParaRPr>
-          </a:p>
-          <a:p>
-            <a:pPr algn="ctr">
-              <a:buNone/>
-            </a:pPr>
-            <a:r>
-              <a:rPr lang="zh-TW" altLang="en-US" sz="6400" b="1" dirty="0">
-                <a:solidFill>
-                  <a:srgbClr val="660033"/>
-                </a:solidFill>
-                <a:latin typeface="Microsoft JhengHei" pitchFamily="34" charset="-120"/>
-                <a:ea typeface="Microsoft JhengHei" pitchFamily="34" charset="-120"/>
-              </a:rPr>
-              <a:t>賀祂</a:t>
-            </a:r>
-            <a:r>
-              <a:rPr lang="en-US" altLang="zh-TW" sz="6400" b="1" dirty="0">
-                <a:solidFill>
-                  <a:srgbClr val="660033"/>
-                </a:solidFill>
-                <a:latin typeface="Microsoft JhengHei" pitchFamily="34" charset="-120"/>
-                <a:ea typeface="Microsoft JhengHei" pitchFamily="34" charset="-120"/>
-              </a:rPr>
-              <a:t>  </a:t>
-            </a:r>
-            <a:r>
-              <a:rPr lang="zh-TW" altLang="en-US" sz="6400" b="1" dirty="0">
-                <a:solidFill>
-                  <a:srgbClr val="660033"/>
-                </a:solidFill>
-                <a:latin typeface="Microsoft JhengHei" pitchFamily="34" charset="-120"/>
-                <a:ea typeface="Microsoft JhengHei" pitchFamily="34" charset="-120"/>
-              </a:rPr>
-              <a:t>賀祂  慶賀祂為君王</a:t>
+              <a:t>天上  地下聞主尊名</a:t>
             </a:r>
             <a:endParaRPr lang="en-US" altLang="zh-TW" sz="6400" b="1" dirty="0">
               <a:solidFill>
@@ -3957,6 +3886,48 @@
               <a:ea typeface="微軟正黑體" pitchFamily="34" charset="-120"/>
             </a:endParaRPr>
           </a:p>
+          <a:p>
+            <a:pPr algn="ctr">
+              <a:buNone/>
+            </a:pPr>
+            <a:r>
+              <a:rPr lang="zh-TW" altLang="en-US" sz="6400" b="1" dirty="0">
+                <a:solidFill>
+                  <a:srgbClr val="660033"/>
+                </a:solidFill>
+                <a:latin typeface="微軟正黑體" pitchFamily="34" charset="-120"/>
+                <a:ea typeface="微軟正黑體" pitchFamily="34" charset="-120"/>
+              </a:rPr>
+              <a:t>應該敬畏頌揚</a:t>
+            </a:r>
+            <a:r>
+              <a:rPr lang="en-US" altLang="zh-TW" sz="6400" b="1" dirty="0">
+                <a:solidFill>
+                  <a:srgbClr val="660033"/>
+                </a:solidFill>
+                <a:latin typeface="微軟正黑體" pitchFamily="34" charset="-120"/>
+                <a:ea typeface="微軟正黑體" pitchFamily="34" charset="-120"/>
+              </a:rPr>
+              <a:t>  </a:t>
+            </a:r>
+            <a:r>
+              <a:rPr lang="zh-TW" altLang="en-US" sz="6400" b="1" dirty="0">
+                <a:solidFill>
+                  <a:srgbClr val="660033"/>
+                </a:solidFill>
+                <a:latin typeface="微軟正黑體" pitchFamily="34" charset="-120"/>
+                <a:ea typeface="微軟正黑體" pitchFamily="34" charset="-120"/>
+              </a:rPr>
+              <a:t>應該敬畏頌揚</a:t>
+            </a:r>
+            <a:endParaRPr lang="en-US" altLang="zh-TW" sz="6400" b="1" dirty="0">
+              <a:solidFill>
+                <a:srgbClr val="660033"/>
+              </a:solidFill>
+              <a:latin typeface="微軟正黑體" pitchFamily="34" charset="-120"/>
+              <a:ea typeface="微軟正黑體" pitchFamily="34" charset="-120"/>
+            </a:endParaRPr>
+          </a:p>
         </p:txBody>
       </p:sp>
       <p:sp>
@@ -3967,7 +3938,7 @@
         </p:nvSpPr>
         <p:spPr>
           <a:xfrm>
-            <a:off x="0" y="5061182"/>
+            <a:off x="0" y="5061183"/>
             <a:ext cx="12192000" cy="830997"/>
           </a:xfrm>
           <a:prstGeom prst="rect">
@@ -3988,7 +3959,7 @@
                   <a:srgbClr val="660033"/>
                 </a:solidFill>
               </a:rPr>
-              <a:t>( 2 )</a:t>
+              <a:t>( 2 / 3 )</a:t>
             </a:r>
             <a:endParaRPr lang="vi-VN" sz="4800" b="1" dirty="0">
               <a:solidFill>
@@ -4001,7 +3972,7 @@
     </p:spTree>
     <p:extLst>
       <p:ext uri="{BB962C8B-B14F-4D97-AF65-F5344CB8AC3E}">
-        <p14:creationId xmlns:p14="http://schemas.microsoft.com/office/powerpoint/2010/main" val="932727888"/>
+        <p14:creationId xmlns:p14="http://schemas.microsoft.com/office/powerpoint/2010/main" val="4215829551"/>
       </p:ext>
     </p:extLst>
   </p:cSld>
@@ -4047,7 +4018,7 @@
         </p:nvSpPr>
         <p:spPr>
           <a:xfrm>
-            <a:off x="0" y="2084851"/>
+            <a:off x="0" y="2084853"/>
             <a:ext cx="12192000" cy="2404863"/>
           </a:xfrm>
         </p:spPr>
@@ -4061,16 +4032,36 @@
               <a:buNone/>
             </a:pPr>
             <a:r>
-              <a:rPr lang="zh-CN" altLang="en-US" sz="6400" b="1" dirty="0">
+              <a:rPr lang="zh-TW" altLang="en-US" sz="6400" b="1" dirty="0">
                 <a:solidFill>
                   <a:srgbClr val="660033"/>
                 </a:solidFill>
                 <a:latin typeface="微軟正黑體" pitchFamily="34" charset="-120"/>
                 <a:ea typeface="微軟正黑體" pitchFamily="34" charset="-120"/>
               </a:rPr>
-              <a:t>尊貴  榮耀  智慧  能力</a:t>
-            </a:r>
-            <a:endParaRPr lang="en-US" altLang="zh-CN" sz="6400" b="1" dirty="0">
+              <a:t>萬膝跪拜萬口</a:t>
+            </a:r>
+            <a:r>
+              <a:rPr lang="zh-CN" altLang="en-US" sz="6400" b="1" dirty="0">
+                <a:solidFill>
+                  <a:srgbClr val="660033"/>
+                </a:solidFill>
+                <a:latin typeface="微軟正黑體" pitchFamily="34" charset="-120"/>
+                <a:ea typeface="微軟正黑體" pitchFamily="34" charset="-120"/>
+              </a:rPr>
+              <a:t>歸</a:t>
+            </a:r>
+            <a:r>
+              <a:rPr lang="zh-CN" altLang="en-US" sz="6400" b="1" dirty="0">
+                <a:solidFill>
+                  <a:srgbClr val="660033"/>
+                </a:solidFill>
+                <a:latin typeface="微軟正黑體" pitchFamily="34" charset="-120"/>
+                <a:ea typeface="微軟正黑體" pitchFamily="34" charset="-120"/>
+              </a:rPr>
+              <a:t>榮</a:t>
+            </a:r>
+            <a:endParaRPr lang="en-US" altLang="zh-TW" sz="6400" b="1" dirty="0">
               <a:solidFill>
                 <a:srgbClr val="660033"/>
               </a:solidFill>
@@ -4078,48 +4069,6 @@
               <a:ea typeface="微軟正黑體" pitchFamily="34" charset="-120"/>
             </a:endParaRPr>
           </a:p>
-          <a:p>
-            <a:pPr algn="ctr">
-              <a:buNone/>
-            </a:pPr>
-            <a:r>
-              <a:rPr lang="zh-CN" altLang="en-US" sz="6400" b="1" dirty="0">
-                <a:solidFill>
-                  <a:srgbClr val="660033"/>
-                </a:solidFill>
-                <a:latin typeface="微軟正黑體" pitchFamily="34" charset="-120"/>
-                <a:ea typeface="微軟正黑體" pitchFamily="34" charset="-120"/>
-              </a:rPr>
-              <a:t>都歸被殺羔羊</a:t>
-            </a:r>
-            <a:r>
-              <a:rPr lang="en-US" altLang="zh-CN" sz="6400" b="1" dirty="0">
-                <a:solidFill>
-                  <a:srgbClr val="660033"/>
-                </a:solidFill>
-                <a:latin typeface="微軟正黑體" pitchFamily="34" charset="-120"/>
-                <a:ea typeface="微軟正黑體" pitchFamily="34" charset="-120"/>
-              </a:rPr>
-              <a:t>  </a:t>
-            </a:r>
-            <a:r>
-              <a:rPr lang="zh-CN" altLang="en-US" sz="6400" b="1" dirty="0">
-                <a:solidFill>
-                  <a:srgbClr val="660033"/>
-                </a:solidFill>
-                <a:latin typeface="微軟正黑體" pitchFamily="34" charset="-120"/>
-                <a:ea typeface="微軟正黑體" pitchFamily="34" charset="-120"/>
-              </a:rPr>
-              <a:t>都歸被殺羔羊</a:t>
-            </a:r>
-            <a:endParaRPr lang="en-US" altLang="zh-CN" sz="6400" b="1" dirty="0">
-              <a:solidFill>
-                <a:srgbClr val="660033"/>
-              </a:solidFill>
-              <a:latin typeface="微軟正黑體" pitchFamily="34" charset="-120"/>
-              <a:ea typeface="微軟正黑體" pitchFamily="34" charset="-120"/>
-            </a:endParaRPr>
-          </a:p>
         </p:txBody>
       </p:sp>
       <p:sp>
@@ -4130,7 +4079,7 @@
         </p:nvSpPr>
         <p:spPr>
           <a:xfrm>
-            <a:off x="0" y="5061182"/>
+            <a:off x="0" y="5061183"/>
             <a:ext cx="12192000" cy="830997"/>
           </a:xfrm>
           <a:prstGeom prst="rect">
@@ -4151,7 +4100,23 @@
                   <a:srgbClr val="660033"/>
                 </a:solidFill>
               </a:rPr>
-              <a:t>( 3 )</a:t>
+              <a:t>( </a:t>
+            </a:r>
+            <a:r>
+              <a:rPr lang="en-US" sz="4800" b="1" dirty="0">
+                <a:solidFill>
+                  <a:srgbClr val="660033"/>
+                </a:solidFill>
+              </a:rPr>
+              <a:t>2 / 3 </a:t>
+            </a:r>
+            <a:r>
+              <a:rPr lang="en-US" sz="4800" b="1" dirty="0">
+                <a:solidFill>
+                  <a:srgbClr val="660033"/>
+                </a:solidFill>
+              </a:rPr>
+              <a:t>)</a:t>
             </a:r>
             <a:endParaRPr lang="vi-VN" sz="4800" b="1" dirty="0">
               <a:solidFill>
@@ -4164,7 +4129,7 @@
     </p:spTree>
     <p:extLst>
       <p:ext uri="{BB962C8B-B14F-4D97-AF65-F5344CB8AC3E}">
-        <p14:creationId xmlns:p14="http://schemas.microsoft.com/office/powerpoint/2010/main" val="1637150920"/>
+        <p14:creationId xmlns:p14="http://schemas.microsoft.com/office/powerpoint/2010/main" val="3229188818"/>
       </p:ext>
     </p:extLst>
   </p:cSld>
@@ -4210,7 +4175,7 @@
         </p:nvSpPr>
         <p:spPr>
           <a:xfrm>
-            <a:off x="0" y="2084851"/>
+            <a:off x="0" y="2084853"/>
             <a:ext cx="12192000" cy="2404863"/>
           </a:xfrm>
         </p:spPr>
@@ -4224,16 +4189,6 @@
               <a:buNone/>
             </a:pPr>
             <a:r>
-              <a:rPr lang="zh-CN" altLang="en-US" sz="6400" b="1" dirty="0">
-                <a:solidFill>
-                  <a:srgbClr val="660033"/>
-                </a:solidFill>
-                <a:latin typeface="微軟正黑體" pitchFamily="34" charset="-120"/>
-                <a:ea typeface="微軟正黑體" pitchFamily="34" charset="-120"/>
-              </a:rPr>
-              <a:t>聖徒天使讚美不息  </a:t>
-            </a:r>
-            <a:r>
               <a:rPr lang="zh-TW" altLang="en-US" sz="6400" b="1" dirty="0">
                 <a:solidFill>
                   <a:srgbClr val="660033"/>
@@ -4241,7 +4196,47 @@
                 <a:latin typeface="Microsoft JhengHei" pitchFamily="34" charset="-120"/>
                 <a:ea typeface="Microsoft JhengHei" pitchFamily="34" charset="-120"/>
               </a:rPr>
-              <a:t>慶賀祂  賀祂  </a:t>
+              <a:t>慶賀</a:t>
+            </a:r>
+            <a:r>
+              <a:rPr lang="en-US" altLang="zh-TW" sz="6400" b="1" dirty="0">
+                <a:solidFill>
+                  <a:srgbClr val="660033"/>
+                </a:solidFill>
+                <a:latin typeface="Microsoft JhengHei" pitchFamily="34" charset="-120"/>
+                <a:ea typeface="Microsoft JhengHei" pitchFamily="34" charset="-120"/>
+              </a:rPr>
+              <a:t>~</a:t>
+            </a:r>
+            <a:r>
+              <a:rPr lang="zh-TW" altLang="en-US" sz="6400" b="1" dirty="0">
+                <a:solidFill>
+                  <a:srgbClr val="660033"/>
+                </a:solidFill>
+                <a:latin typeface="Microsoft JhengHei" pitchFamily="34" charset="-120"/>
+                <a:ea typeface="Microsoft JhengHei" pitchFamily="34" charset="-120"/>
+              </a:rPr>
+              <a:t>祂  </a:t>
+            </a:r>
+            <a:r>
+              <a:rPr lang="zh-TW" altLang="en-US" sz="6400" b="1" dirty="0">
+                <a:solidFill>
+                  <a:srgbClr val="660033"/>
+                </a:solidFill>
+                <a:latin typeface="Microsoft JhengHei" pitchFamily="34" charset="-120"/>
+                <a:ea typeface="Microsoft JhengHei" pitchFamily="34" charset="-120"/>
+              </a:rPr>
+              <a:t>賀祂  </a:t>
+            </a:r>
+            <a:r>
+              <a:rPr lang="zh-TW" altLang="en-US" sz="6400" b="1" dirty="0">
+                <a:solidFill>
+                  <a:srgbClr val="660033"/>
+                </a:solidFill>
+                <a:latin typeface="Microsoft JhengHei" pitchFamily="34" charset="-120"/>
+                <a:ea typeface="Microsoft JhengHei" pitchFamily="34" charset="-120"/>
+              </a:rPr>
+              <a:t>賀祂</a:t>
             </a:r>
             <a:endParaRPr lang="en-US" altLang="zh-TW" sz="6400" b="1" dirty="0">
               <a:solidFill>
@@ -4263,27 +4258,281 @@
                 <a:latin typeface="Microsoft JhengHei" pitchFamily="34" charset="-120"/>
                 <a:ea typeface="Microsoft JhengHei" pitchFamily="34" charset="-120"/>
               </a:rPr>
-              <a:t>賀祂</a:t>
-            </a:r>
-            <a:r>
-              <a:rPr lang="en-US" altLang="zh-TW" sz="6400" b="1" dirty="0">
+              <a:t>賀祂慶</a:t>
+            </a:r>
+            <a:r>
+              <a:rPr lang="zh-TW" altLang="en-US" sz="6400" b="1" dirty="0">
                 <a:solidFill>
                   <a:srgbClr val="660033"/>
                 </a:solidFill>
                 <a:latin typeface="Microsoft JhengHei" pitchFamily="34" charset="-120"/>
                 <a:ea typeface="Microsoft JhengHei" pitchFamily="34" charset="-120"/>
               </a:rPr>
+              <a:t>賀祂為君王</a:t>
+            </a:r>
+          </a:p>
+        </p:txBody>
+      </p:sp>
+    </p:spTree>
+    <p:extLst>
+      <p:ext uri="{BB962C8B-B14F-4D97-AF65-F5344CB8AC3E}">
+        <p14:creationId xmlns:p14="http://schemas.microsoft.com/office/powerpoint/2010/main" val="1462923784"/>
+      </p:ext>
+    </p:extLst>
+  </p:cSld>
+  <p:clrMapOvr>
+    <a:masterClrMapping/>
+  </p:clrMapOvr>
+  <p:timing>
+    <p:tnLst>
+      <p:par>
+        <p:cTn id="1" dur="indefinite" restart="never" nodeType="tmRoot"/>
+      </p:par>
+    </p:tnLst>
+  </p:timing>
+</p:sld>
+</file>
+
+<file path=ppt/slides/slide8.xml><?xml version="1.0" encoding="utf-8"?>
+<p:sld xmlns:a="http://schemas.openxmlformats.org/drawingml/2006/main" xmlns:r="http://schemas.openxmlformats.org/officeDocument/2006/relationships" xmlns:p="http://schemas.openxmlformats.org/presentationml/2006/main">
+  <p:cSld>
+    <p:spTree>
+      <p:nvGrpSpPr>
+        <p:cNvPr id="1" name=""/>
+        <p:cNvGrpSpPr/>
+        <p:nvPr/>
+      </p:nvGrpSpPr>
+      <p:grpSpPr>
+        <a:xfrm>
+          <a:off x="0" y="0"/>
+          <a:ext cx="0" cy="0"/>
+          <a:chOff x="0" y="0"/>
+          <a:chExt cx="0" cy="0"/>
+        </a:xfrm>
+      </p:grpSpPr>
+      <p:sp>
+        <p:nvSpPr>
+          <p:cNvPr id="5" name="內容版面配置區 4"/>
+          <p:cNvSpPr>
+            <a:spLocks noGrp="1"/>
+          </p:cNvSpPr>
+          <p:nvPr>
+            <p:ph idx="1"/>
+          </p:nvPr>
+        </p:nvSpPr>
+        <p:spPr>
+          <a:xfrm>
+            <a:off x="0" y="2084853"/>
+            <a:ext cx="12192000" cy="2404863"/>
+          </a:xfrm>
+        </p:spPr>
+        <p:txBody>
+          <a:bodyPr anchor="ctr">
+            <a:normAutofit/>
+          </a:bodyPr>
+          <a:lstStyle/>
+          <a:p>
+            <a:pPr algn="ctr">
+              <a:buNone/>
+            </a:pPr>
+            <a:r>
+              <a:rPr lang="zh-CN" altLang="en-US" sz="6400" b="1" dirty="0">
+                <a:solidFill>
+                  <a:srgbClr val="660033"/>
+                </a:solidFill>
+                <a:latin typeface="微軟正黑體" pitchFamily="34" charset="-120"/>
+                <a:ea typeface="微軟正黑體" pitchFamily="34" charset="-120"/>
+              </a:rPr>
+              <a:t>尊貴  榮耀  智慧  能力</a:t>
+            </a:r>
+            <a:endParaRPr lang="en-US" altLang="zh-CN" sz="6400" b="1" dirty="0">
+              <a:solidFill>
+                <a:srgbClr val="660033"/>
+              </a:solidFill>
+              <a:latin typeface="微軟正黑體" pitchFamily="34" charset="-120"/>
+              <a:ea typeface="微軟正黑體" pitchFamily="34" charset="-120"/>
+            </a:endParaRPr>
+          </a:p>
+          <a:p>
+            <a:pPr algn="ctr">
+              <a:buNone/>
+            </a:pPr>
+            <a:r>
+              <a:rPr lang="zh-CN" altLang="en-US" sz="6400" b="1" dirty="0">
+                <a:solidFill>
+                  <a:srgbClr val="660033"/>
+                </a:solidFill>
+                <a:latin typeface="微軟正黑體" pitchFamily="34" charset="-120"/>
+                <a:ea typeface="微軟正黑體" pitchFamily="34" charset="-120"/>
+              </a:rPr>
+              <a:t>都歸被殺羔羊</a:t>
+            </a:r>
+            <a:r>
+              <a:rPr lang="en-US" altLang="zh-CN" sz="6400" b="1" dirty="0">
+                <a:solidFill>
+                  <a:srgbClr val="660033"/>
+                </a:solidFill>
+                <a:latin typeface="微軟正黑體" pitchFamily="34" charset="-120"/>
+                <a:ea typeface="微軟正黑體" pitchFamily="34" charset="-120"/>
+              </a:rPr>
               <a:t>  </a:t>
             </a:r>
             <a:r>
-              <a:rPr lang="zh-TW" altLang="en-US" sz="6400" b="1" dirty="0">
-                <a:solidFill>
-                  <a:srgbClr val="660033"/>
-                </a:solidFill>
-                <a:latin typeface="Microsoft JhengHei" pitchFamily="34" charset="-120"/>
-                <a:ea typeface="Microsoft JhengHei" pitchFamily="34" charset="-120"/>
-              </a:rPr>
-              <a:t>賀祂  慶賀祂為君王</a:t>
+              <a:rPr lang="zh-CN" altLang="en-US" sz="6400" b="1" dirty="0">
+                <a:solidFill>
+                  <a:srgbClr val="660033"/>
+                </a:solidFill>
+                <a:latin typeface="微軟正黑體" pitchFamily="34" charset="-120"/>
+                <a:ea typeface="微軟正黑體" pitchFamily="34" charset="-120"/>
+              </a:rPr>
+              <a:t>都歸被殺羔羊</a:t>
+            </a:r>
+            <a:endParaRPr lang="en-US" altLang="zh-CN" sz="6400" b="1" dirty="0">
+              <a:solidFill>
+                <a:srgbClr val="660033"/>
+              </a:solidFill>
+              <a:latin typeface="微軟正黑體" pitchFamily="34" charset="-120"/>
+              <a:ea typeface="微軟正黑體" pitchFamily="34" charset="-120"/>
+            </a:endParaRPr>
+          </a:p>
+        </p:txBody>
+      </p:sp>
+      <p:sp>
+        <p:nvSpPr>
+          <p:cNvPr id="3" name="TextBox 2"/>
+          <p:cNvSpPr txBox="1"/>
+          <p:nvPr/>
+        </p:nvSpPr>
+        <p:spPr>
+          <a:xfrm>
+            <a:off x="0" y="5061183"/>
+            <a:ext cx="12192000" cy="830997"/>
+          </a:xfrm>
+          <a:prstGeom prst="rect">
+            <a:avLst/>
+          </a:prstGeom>
+          <a:noFill/>
+        </p:spPr>
+        <p:txBody>
+          <a:bodyPr wrap="square" rtlCol="0">
+            <a:spAutoFit/>
+          </a:bodyPr>
+          <a:lstStyle/>
+          <a:p>
+            <a:pPr algn="ctr"/>
+            <a:r>
+              <a:rPr lang="en-US" sz="4800" b="1" dirty="0">
+                <a:solidFill>
+                  <a:srgbClr val="660033"/>
+                </a:solidFill>
+              </a:rPr>
+              <a:t>( </a:t>
+            </a:r>
+            <a:r>
+              <a:rPr lang="en-US" sz="4800" b="1" dirty="0">
+                <a:solidFill>
+                  <a:srgbClr val="660033"/>
+                </a:solidFill>
+              </a:rPr>
+              <a:t>3 / 3 </a:t>
+            </a:r>
+            <a:r>
+              <a:rPr lang="en-US" sz="4800" b="1" dirty="0">
+                <a:solidFill>
+                  <a:srgbClr val="660033"/>
+                </a:solidFill>
+              </a:rPr>
+              <a:t>)</a:t>
+            </a:r>
+            <a:endParaRPr lang="vi-VN" sz="4800" b="1" dirty="0">
+              <a:solidFill>
+                <a:srgbClr val="660033"/>
+              </a:solidFill>
+            </a:endParaRPr>
+          </a:p>
+        </p:txBody>
+      </p:sp>
+    </p:spTree>
+    <p:extLst>
+      <p:ext uri="{BB962C8B-B14F-4D97-AF65-F5344CB8AC3E}">
+        <p14:creationId xmlns:p14="http://schemas.microsoft.com/office/powerpoint/2010/main" val="3936366001"/>
+      </p:ext>
+    </p:extLst>
+  </p:cSld>
+  <p:clrMapOvr>
+    <a:masterClrMapping/>
+  </p:clrMapOvr>
+  <p:timing>
+    <p:tnLst>
+      <p:par>
+        <p:cTn id="1" dur="indefinite" restart="never" nodeType="tmRoot"/>
+      </p:par>
+    </p:tnLst>
+  </p:timing>
+</p:sld>
+</file>
+
+<file path=ppt/slides/slide9.xml><?xml version="1.0" encoding="utf-8"?>
+<p:sld xmlns:a="http://schemas.openxmlformats.org/drawingml/2006/main" xmlns:r="http://schemas.openxmlformats.org/officeDocument/2006/relationships" xmlns:p="http://schemas.openxmlformats.org/presentationml/2006/main">
+  <p:cSld>
+    <p:spTree>
+      <p:nvGrpSpPr>
+        <p:cNvPr id="1" name=""/>
+        <p:cNvGrpSpPr/>
+        <p:nvPr/>
+      </p:nvGrpSpPr>
+      <p:grpSpPr>
+        <a:xfrm>
+          <a:off x="0" y="0"/>
+          <a:ext cx="0" cy="0"/>
+          <a:chOff x="0" y="0"/>
+          <a:chExt cx="0" cy="0"/>
+        </a:xfrm>
+      </p:grpSpPr>
+      <p:sp>
+        <p:nvSpPr>
+          <p:cNvPr id="5" name="內容版面配置區 4"/>
+          <p:cNvSpPr>
+            <a:spLocks noGrp="1"/>
+          </p:cNvSpPr>
+          <p:nvPr>
+            <p:ph idx="1"/>
+          </p:nvPr>
+        </p:nvSpPr>
+        <p:spPr>
+          <a:xfrm>
+            <a:off x="0" y="2084853"/>
+            <a:ext cx="12192000" cy="2404863"/>
+          </a:xfrm>
+        </p:spPr>
+        <p:txBody>
+          <a:bodyPr anchor="ctr">
+            <a:normAutofit/>
+          </a:bodyPr>
+          <a:lstStyle/>
+          <a:p>
+            <a:pPr algn="ctr">
+              <a:buNone/>
+            </a:pPr>
+            <a:r>
+              <a:rPr lang="zh-CN" altLang="en-US" sz="6400" b="1" dirty="0">
+                <a:solidFill>
+                  <a:srgbClr val="660033"/>
+                </a:solidFill>
+                <a:latin typeface="微軟正黑體" pitchFamily="34" charset="-120"/>
+                <a:ea typeface="微軟正黑體" pitchFamily="34" charset="-120"/>
+              </a:rPr>
+              <a:t>聖徒天使讚美不</a:t>
+            </a:r>
+            <a:r>
+              <a:rPr lang="zh-CN" altLang="en-US" sz="6400" b="1" dirty="0">
+                <a:solidFill>
+                  <a:srgbClr val="660033"/>
+                </a:solidFill>
+                <a:latin typeface="微軟正黑體" pitchFamily="34" charset="-120"/>
+                <a:ea typeface="微軟正黑體" pitchFamily="34" charset="-120"/>
+              </a:rPr>
+              <a:t>息</a:t>
             </a:r>
             <a:endParaRPr lang="en-US" altLang="zh-TW" sz="6400" b="1" dirty="0">
               <a:solidFill>
@@ -4303,7 +4552,7 @@
         </p:nvSpPr>
         <p:spPr>
           <a:xfrm>
-            <a:off x="0" y="5061182"/>
+            <a:off x="0" y="5061183"/>
             <a:ext cx="12192000" cy="830997"/>
           </a:xfrm>
           <a:prstGeom prst="rect">
@@ -4324,7 +4573,7 @@
                   <a:srgbClr val="660033"/>
                 </a:solidFill>
               </a:rPr>
-              <a:t>( 3 )</a:t>
+              <a:t>( 3 / 3 )</a:t>
             </a:r>
             <a:endParaRPr lang="vi-VN" sz="4800" b="1" dirty="0">
               <a:solidFill>
@@ -4337,7 +4586,7 @@
     </p:spTree>
     <p:extLst>
       <p:ext uri="{BB962C8B-B14F-4D97-AF65-F5344CB8AC3E}">
-        <p14:creationId xmlns:p14="http://schemas.microsoft.com/office/powerpoint/2010/main" val="595925036"/>
+        <p14:creationId xmlns:p14="http://schemas.microsoft.com/office/powerpoint/2010/main" val="4249516624"/>
       </p:ext>
     </p:extLst>
   </p:cSld>
